--- a/Poster/DSP_Darts_Poster.pptx
+++ b/Poster/DSP_Darts_Poster.pptx
@@ -4573,12 +4573,36 @@
               </a:lnSpc>
             </a:pPr>
             <a:r>
+              <a:rPr lang="en-GB" sz="3600">
+                <a:solidFill>
+                  <a:srgbClr val="9B0A7D"/>
+                </a:solidFill>
+              </a:rPr>
+              <a:t>How are </a:t>
+            </a:r>
+            <a:r>
               <a:rPr lang="en-GB" sz="3600" dirty="0">
                 <a:solidFill>
                   <a:srgbClr val="9B0A7D"/>
                 </a:solidFill>
               </a:rPr>
-              <a:t>How do the tournament’s locations are distributed?</a:t>
+              <a:t>the </a:t>
+            </a:r>
+            <a:r>
+              <a:rPr lang="en-GB" sz="3600">
+                <a:solidFill>
+                  <a:srgbClr val="9B0A7D"/>
+                </a:solidFill>
+              </a:rPr>
+              <a:t>tournament’s locations </a:t>
+            </a:r>
+            <a:r>
+              <a:rPr lang="en-GB" sz="3600" dirty="0">
+                <a:solidFill>
+                  <a:srgbClr val="9B0A7D"/>
+                </a:solidFill>
+              </a:rPr>
+              <a:t>distributed?</a:t>
             </a:r>
           </a:p>
         </p:txBody>

--- a/Poster/DSP_Darts_Poster.pptx
+++ b/Poster/DSP_Darts_Poster.pptx
@@ -115,6 +115,2620 @@
 </p:presentation>
 </file>
 
+<file path=ppt/diagrams/colors1.xml><?xml version="1.0" encoding="utf-8"?>
+<dgm:colorsDef xmlns:dgm="http://schemas.openxmlformats.org/drawingml/2006/diagram" xmlns:a="http://schemas.openxmlformats.org/drawingml/2006/main" uniqueId="urn:microsoft.com/office/officeart/2005/8/colors/accent1_2">
+  <dgm:title val=""/>
+  <dgm:desc val=""/>
+  <dgm:catLst>
+    <dgm:cat type="accent1" pri="11200"/>
+  </dgm:catLst>
+  <dgm:styleLbl name="node0">
+    <dgm:fillClrLst meth="repeat">
+      <a:schemeClr val="accent1"/>
+    </dgm:fillClrLst>
+    <dgm:linClrLst meth="repeat">
+      <a:schemeClr val="lt1"/>
+    </dgm:linClrLst>
+    <dgm:effectClrLst/>
+    <dgm:txLinClrLst/>
+    <dgm:txFillClrLst/>
+    <dgm:txEffectClrLst/>
+  </dgm:styleLbl>
+  <dgm:styleLbl name="alignNode1">
+    <dgm:fillClrLst meth="repeat">
+      <a:schemeClr val="accent1"/>
+    </dgm:fillClrLst>
+    <dgm:linClrLst meth="repeat">
+      <a:schemeClr val="accent1"/>
+    </dgm:linClrLst>
+    <dgm:effectClrLst/>
+    <dgm:txLinClrLst/>
+    <dgm:txFillClrLst/>
+    <dgm:txEffectClrLst/>
+  </dgm:styleLbl>
+  <dgm:styleLbl name="node1">
+    <dgm:fillClrLst meth="repeat">
+      <a:schemeClr val="accent1"/>
+    </dgm:fillClrLst>
+    <dgm:linClrLst meth="repeat">
+      <a:schemeClr val="lt1"/>
+    </dgm:linClrLst>
+    <dgm:effectClrLst/>
+    <dgm:txLinClrLst/>
+    <dgm:txFillClrLst/>
+    <dgm:txEffectClrLst/>
+  </dgm:styleLbl>
+  <dgm:styleLbl name="lnNode1">
+    <dgm:fillClrLst meth="repeat">
+      <a:schemeClr val="accent1"/>
+    </dgm:fillClrLst>
+    <dgm:linClrLst meth="repeat">
+      <a:schemeClr val="lt1"/>
+    </dgm:linClrLst>
+    <dgm:effectClrLst/>
+    <dgm:txLinClrLst/>
+    <dgm:txFillClrLst/>
+    <dgm:txEffectClrLst/>
+  </dgm:styleLbl>
+  <dgm:styleLbl name="vennNode1">
+    <dgm:fillClrLst meth="repeat">
+      <a:schemeClr val="accent1">
+        <a:alpha val="50000"/>
+      </a:schemeClr>
+    </dgm:fillClrLst>
+    <dgm:linClrLst meth="repeat">
+      <a:schemeClr val="lt1"/>
+    </dgm:linClrLst>
+    <dgm:effectClrLst/>
+    <dgm:txLinClrLst/>
+    <dgm:txFillClrLst/>
+    <dgm:txEffectClrLst/>
+  </dgm:styleLbl>
+  <dgm:styleLbl name="node2">
+    <dgm:fillClrLst meth="repeat">
+      <a:schemeClr val="accent1"/>
+    </dgm:fillClrLst>
+    <dgm:linClrLst meth="repeat">
+      <a:schemeClr val="lt1"/>
+    </dgm:linClrLst>
+    <dgm:effectClrLst/>
+    <dgm:txLinClrLst/>
+    <dgm:txFillClrLst/>
+    <dgm:txEffectClrLst/>
+  </dgm:styleLbl>
+  <dgm:styleLbl name="node3">
+    <dgm:fillClrLst meth="repeat">
+      <a:schemeClr val="accent1"/>
+    </dgm:fillClrLst>
+    <dgm:linClrLst meth="repeat">
+      <a:schemeClr val="lt1"/>
+    </dgm:linClrLst>
+    <dgm:effectClrLst/>
+    <dgm:txLinClrLst/>
+    <dgm:txFillClrLst/>
+    <dgm:txEffectClrLst/>
+  </dgm:styleLbl>
+  <dgm:styleLbl name="node4">
+    <dgm:fillClrLst meth="repeat">
+      <a:schemeClr val="accent1"/>
+    </dgm:fillClrLst>
+    <dgm:linClrLst meth="repeat">
+      <a:schemeClr val="lt1"/>
+    </dgm:linClrLst>
+    <dgm:effectClrLst/>
+    <dgm:txLinClrLst/>
+    <dgm:txFillClrLst/>
+    <dgm:txEffectClrLst/>
+  </dgm:styleLbl>
+  <dgm:styleLbl name="fgImgPlace1">
+    <dgm:fillClrLst meth="repeat">
+      <a:schemeClr val="accent1">
+        <a:tint val="50000"/>
+      </a:schemeClr>
+    </dgm:fillClrLst>
+    <dgm:linClrLst meth="repeat">
+      <a:schemeClr val="lt1"/>
+    </dgm:linClrLst>
+    <dgm:effectClrLst/>
+    <dgm:txLinClrLst/>
+    <dgm:txFillClrLst meth="repeat">
+      <a:schemeClr val="lt1"/>
+    </dgm:txFillClrLst>
+    <dgm:txEffectClrLst/>
+  </dgm:styleLbl>
+  <dgm:styleLbl name="alignImgPlace1">
+    <dgm:fillClrLst meth="repeat">
+      <a:schemeClr val="accent1">
+        <a:tint val="50000"/>
+      </a:schemeClr>
+    </dgm:fillClrLst>
+    <dgm:linClrLst meth="repeat">
+      <a:schemeClr val="lt1"/>
+    </dgm:linClrLst>
+    <dgm:effectClrLst/>
+    <dgm:txLinClrLst/>
+    <dgm:txFillClrLst meth="repeat">
+      <a:schemeClr val="lt1"/>
+    </dgm:txFillClrLst>
+    <dgm:txEffectClrLst/>
+  </dgm:styleLbl>
+  <dgm:styleLbl name="bgImgPlace1">
+    <dgm:fillClrLst meth="repeat">
+      <a:schemeClr val="accent1">
+        <a:tint val="50000"/>
+      </a:schemeClr>
+    </dgm:fillClrLst>
+    <dgm:linClrLst meth="repeat">
+      <a:schemeClr val="lt1"/>
+    </dgm:linClrLst>
+    <dgm:effectClrLst/>
+    <dgm:txLinClrLst/>
+    <dgm:txFillClrLst meth="repeat">
+      <a:schemeClr val="lt1"/>
+    </dgm:txFillClrLst>
+    <dgm:txEffectClrLst/>
+  </dgm:styleLbl>
+  <dgm:styleLbl name="sibTrans2D1">
+    <dgm:fillClrLst meth="repeat">
+      <a:schemeClr val="accent1">
+        <a:tint val="60000"/>
+      </a:schemeClr>
+    </dgm:fillClrLst>
+    <dgm:linClrLst meth="repeat">
+      <a:schemeClr val="accent1">
+        <a:tint val="60000"/>
+      </a:schemeClr>
+    </dgm:linClrLst>
+    <dgm:effectClrLst/>
+    <dgm:txLinClrLst/>
+    <dgm:txFillClrLst/>
+    <dgm:txEffectClrLst/>
+  </dgm:styleLbl>
+  <dgm:styleLbl name="fgSibTrans2D1">
+    <dgm:fillClrLst meth="repeat">
+      <a:schemeClr val="accent1">
+        <a:tint val="60000"/>
+      </a:schemeClr>
+    </dgm:fillClrLst>
+    <dgm:linClrLst meth="repeat">
+      <a:schemeClr val="accent1">
+        <a:tint val="60000"/>
+      </a:schemeClr>
+    </dgm:linClrLst>
+    <dgm:effectClrLst/>
+    <dgm:txLinClrLst/>
+    <dgm:txFillClrLst/>
+    <dgm:txEffectClrLst/>
+  </dgm:styleLbl>
+  <dgm:styleLbl name="bgSibTrans2D1">
+    <dgm:fillClrLst meth="repeat">
+      <a:schemeClr val="accent1">
+        <a:tint val="60000"/>
+      </a:schemeClr>
+    </dgm:fillClrLst>
+    <dgm:linClrLst meth="repeat">
+      <a:schemeClr val="accent1">
+        <a:tint val="60000"/>
+      </a:schemeClr>
+    </dgm:linClrLst>
+    <dgm:effectClrLst/>
+    <dgm:txLinClrLst/>
+    <dgm:txFillClrLst/>
+    <dgm:txEffectClrLst/>
+  </dgm:styleLbl>
+  <dgm:styleLbl name="sibTrans1D1">
+    <dgm:fillClrLst meth="repeat">
+      <a:schemeClr val="accent1"/>
+    </dgm:fillClrLst>
+    <dgm:linClrLst meth="repeat">
+      <a:schemeClr val="accent1"/>
+    </dgm:linClrLst>
+    <dgm:effectClrLst/>
+    <dgm:txLinClrLst/>
+    <dgm:txFillClrLst meth="repeat">
+      <a:schemeClr val="tx1"/>
+    </dgm:txFillClrLst>
+    <dgm:txEffectClrLst/>
+  </dgm:styleLbl>
+  <dgm:styleLbl name="callout">
+    <dgm:fillClrLst meth="repeat">
+      <a:schemeClr val="accent1"/>
+    </dgm:fillClrLst>
+    <dgm:linClrLst meth="repeat">
+      <a:schemeClr val="accent1">
+        <a:tint val="50000"/>
+      </a:schemeClr>
+    </dgm:linClrLst>
+    <dgm:effectClrLst/>
+    <dgm:txLinClrLst/>
+    <dgm:txFillClrLst meth="repeat">
+      <a:schemeClr val="tx1"/>
+    </dgm:txFillClrLst>
+    <dgm:txEffectClrLst/>
+  </dgm:styleLbl>
+  <dgm:styleLbl name="asst0">
+    <dgm:fillClrLst meth="repeat">
+      <a:schemeClr val="accent1"/>
+    </dgm:fillClrLst>
+    <dgm:linClrLst meth="repeat">
+      <a:schemeClr val="lt1"/>
+    </dgm:linClrLst>
+    <dgm:effectClrLst/>
+    <dgm:txLinClrLst/>
+    <dgm:txFillClrLst/>
+    <dgm:txEffectClrLst/>
+  </dgm:styleLbl>
+  <dgm:styleLbl name="asst1">
+    <dgm:fillClrLst meth="repeat">
+      <a:schemeClr val="accent1"/>
+    </dgm:fillClrLst>
+    <dgm:linClrLst meth="repeat">
+      <a:schemeClr val="lt1"/>
+    </dgm:linClrLst>
+    <dgm:effectClrLst/>
+    <dgm:txLinClrLst/>
+    <dgm:txFillClrLst/>
+    <dgm:txEffectClrLst/>
+  </dgm:styleLbl>
+  <dgm:styleLbl name="asst2">
+    <dgm:fillClrLst meth="repeat">
+      <a:schemeClr val="accent1"/>
+    </dgm:fillClrLst>
+    <dgm:linClrLst meth="repeat">
+      <a:schemeClr val="lt1"/>
+    </dgm:linClrLst>
+    <dgm:effectClrLst/>
+    <dgm:txLinClrLst/>
+    <dgm:txFillClrLst/>
+    <dgm:txEffectClrLst/>
+  </dgm:styleLbl>
+  <dgm:styleLbl name="asst3">
+    <dgm:fillClrLst meth="repeat">
+      <a:schemeClr val="accent1"/>
+    </dgm:fillClrLst>
+    <dgm:linClrLst meth="repeat">
+      <a:schemeClr val="lt1"/>
+    </dgm:linClrLst>
+    <dgm:effectClrLst/>
+    <dgm:txLinClrLst/>
+    <dgm:txFillClrLst/>
+    <dgm:txEffectClrLst/>
+  </dgm:styleLbl>
+  <dgm:styleLbl name="asst4">
+    <dgm:fillClrLst meth="repeat">
+      <a:schemeClr val="accent1"/>
+    </dgm:fillClrLst>
+    <dgm:linClrLst meth="repeat">
+      <a:schemeClr val="lt1"/>
+    </dgm:linClrLst>
+    <dgm:effectClrLst/>
+    <dgm:txLinClrLst/>
+    <dgm:txFillClrLst/>
+    <dgm:txEffectClrLst/>
+  </dgm:styleLbl>
+  <dgm:styleLbl name="parChTrans2D1">
+    <dgm:fillClrLst meth="repeat">
+      <a:schemeClr val="accent1">
+        <a:tint val="60000"/>
+      </a:schemeClr>
+    </dgm:fillClrLst>
+    <dgm:linClrLst meth="repeat">
+      <a:schemeClr val="accent1">
+        <a:tint val="60000"/>
+      </a:schemeClr>
+    </dgm:linClrLst>
+    <dgm:effectClrLst/>
+    <dgm:txLinClrLst/>
+    <dgm:txFillClrLst meth="repeat">
+      <a:schemeClr val="lt1"/>
+    </dgm:txFillClrLst>
+    <dgm:txEffectClrLst/>
+  </dgm:styleLbl>
+  <dgm:styleLbl name="parChTrans2D2">
+    <dgm:fillClrLst meth="repeat">
+      <a:schemeClr val="accent1"/>
+    </dgm:fillClrLst>
+    <dgm:linClrLst meth="repeat">
+      <a:schemeClr val="accent1"/>
+    </dgm:linClrLst>
+    <dgm:effectClrLst/>
+    <dgm:txLinClrLst/>
+    <dgm:txFillClrLst meth="repeat">
+      <a:schemeClr val="lt1"/>
+    </dgm:txFillClrLst>
+    <dgm:txEffectClrLst/>
+  </dgm:styleLbl>
+  <dgm:styleLbl name="parChTrans2D3">
+    <dgm:fillClrLst meth="repeat">
+      <a:schemeClr val="accent1"/>
+    </dgm:fillClrLst>
+    <dgm:linClrLst meth="repeat">
+      <a:schemeClr val="accent1"/>
+    </dgm:linClrLst>
+    <dgm:effectClrLst/>
+    <dgm:txLinClrLst/>
+    <dgm:txFillClrLst meth="repeat">
+      <a:schemeClr val="lt1"/>
+    </dgm:txFillClrLst>
+    <dgm:txEffectClrLst/>
+  </dgm:styleLbl>
+  <dgm:styleLbl name="parChTrans2D4">
+    <dgm:fillClrLst meth="repeat">
+      <a:schemeClr val="accent1"/>
+    </dgm:fillClrLst>
+    <dgm:linClrLst meth="repeat">
+      <a:schemeClr val="accent1"/>
+    </dgm:linClrLst>
+    <dgm:effectClrLst/>
+    <dgm:txLinClrLst/>
+    <dgm:txFillClrLst meth="repeat">
+      <a:schemeClr val="lt1"/>
+    </dgm:txFillClrLst>
+    <dgm:txEffectClrLst/>
+  </dgm:styleLbl>
+  <dgm:styleLbl name="parChTrans1D1">
+    <dgm:fillClrLst meth="repeat">
+      <a:schemeClr val="accent1"/>
+    </dgm:fillClrLst>
+    <dgm:linClrLst meth="repeat">
+      <a:schemeClr val="accent1">
+        <a:shade val="60000"/>
+      </a:schemeClr>
+    </dgm:linClrLst>
+    <dgm:effectClrLst/>
+    <dgm:txLinClrLst/>
+    <dgm:txFillClrLst meth="repeat">
+      <a:schemeClr val="tx1"/>
+    </dgm:txFillClrLst>
+    <dgm:txEffectClrLst/>
+  </dgm:styleLbl>
+  <dgm:styleLbl name="parChTrans1D2">
+    <dgm:fillClrLst meth="repeat">
+      <a:schemeClr val="accent1"/>
+    </dgm:fillClrLst>
+    <dgm:linClrLst meth="repeat">
+      <a:schemeClr val="accent1">
+        <a:shade val="60000"/>
+      </a:schemeClr>
+    </dgm:linClrLst>
+    <dgm:effectClrLst/>
+    <dgm:txLinClrLst/>
+    <dgm:txFillClrLst meth="repeat">
+      <a:schemeClr val="tx1"/>
+    </dgm:txFillClrLst>
+    <dgm:txEffectClrLst/>
+  </dgm:styleLbl>
+  <dgm:styleLbl name="parChTrans1D3">
+    <dgm:fillClrLst meth="repeat">
+      <a:schemeClr val="accent1"/>
+    </dgm:fillClrLst>
+    <dgm:linClrLst meth="repeat">
+      <a:schemeClr val="accent1">
+        <a:shade val="80000"/>
+      </a:schemeClr>
+    </dgm:linClrLst>
+    <dgm:effectClrLst/>
+    <dgm:txLinClrLst/>
+    <dgm:txFillClrLst meth="repeat">
+      <a:schemeClr val="tx1"/>
+    </dgm:txFillClrLst>
+    <dgm:txEffectClrLst/>
+  </dgm:styleLbl>
+  <dgm:styleLbl name="parChTrans1D4">
+    <dgm:fillClrLst meth="repeat">
+      <a:schemeClr val="accent1"/>
+    </dgm:fillClrLst>
+    <dgm:linClrLst meth="repeat">
+      <a:schemeClr val="accent1">
+        <a:shade val="80000"/>
+      </a:schemeClr>
+    </dgm:linClrLst>
+    <dgm:effectClrLst/>
+    <dgm:txLinClrLst/>
+    <dgm:txFillClrLst meth="repeat">
+      <a:schemeClr val="tx1"/>
+    </dgm:txFillClrLst>
+    <dgm:txEffectClrLst/>
+  </dgm:styleLbl>
+  <dgm:styleLbl name="fgAcc1">
+    <dgm:fillClrLst meth="repeat">
+      <a:schemeClr val="lt1">
+        <a:alpha val="90000"/>
+      </a:schemeClr>
+    </dgm:fillClrLst>
+    <dgm:linClrLst meth="repeat">
+      <a:schemeClr val="accent1"/>
+    </dgm:linClrLst>
+    <dgm:effectClrLst/>
+    <dgm:txLinClrLst/>
+    <dgm:txFillClrLst meth="repeat">
+      <a:schemeClr val="dk1"/>
+    </dgm:txFillClrLst>
+    <dgm:txEffectClrLst/>
+  </dgm:styleLbl>
+  <dgm:styleLbl name="conFgAcc1">
+    <dgm:fillClrLst meth="repeat">
+      <a:schemeClr val="lt1">
+        <a:alpha val="90000"/>
+      </a:schemeClr>
+    </dgm:fillClrLst>
+    <dgm:linClrLst meth="repeat">
+      <a:schemeClr val="accent1"/>
+    </dgm:linClrLst>
+    <dgm:effectClrLst/>
+    <dgm:txLinClrLst/>
+    <dgm:txFillClrLst meth="repeat">
+      <a:schemeClr val="dk1"/>
+    </dgm:txFillClrLst>
+    <dgm:txEffectClrLst/>
+  </dgm:styleLbl>
+  <dgm:styleLbl name="alignAcc1">
+    <dgm:fillClrLst meth="repeat">
+      <a:schemeClr val="lt1">
+        <a:alpha val="90000"/>
+      </a:schemeClr>
+    </dgm:fillClrLst>
+    <dgm:linClrLst meth="repeat">
+      <a:schemeClr val="accent1"/>
+    </dgm:linClrLst>
+    <dgm:effectClrLst/>
+    <dgm:txLinClrLst/>
+    <dgm:txFillClrLst meth="repeat">
+      <a:schemeClr val="dk1"/>
+    </dgm:txFillClrLst>
+    <dgm:txEffectClrLst/>
+  </dgm:styleLbl>
+  <dgm:styleLbl name="trAlignAcc1">
+    <dgm:fillClrLst meth="repeat">
+      <a:schemeClr val="lt1">
+        <a:alpha val="40000"/>
+      </a:schemeClr>
+    </dgm:fillClrLst>
+    <dgm:linClrLst meth="repeat">
+      <a:schemeClr val="accent1"/>
+    </dgm:linClrLst>
+    <dgm:effectClrLst/>
+    <dgm:txLinClrLst/>
+    <dgm:txFillClrLst meth="repeat">
+      <a:schemeClr val="dk1"/>
+    </dgm:txFillClrLst>
+    <dgm:txEffectClrLst/>
+  </dgm:styleLbl>
+  <dgm:styleLbl name="bgAcc1">
+    <dgm:fillClrLst meth="repeat">
+      <a:schemeClr val="lt1">
+        <a:alpha val="90000"/>
+      </a:schemeClr>
+    </dgm:fillClrLst>
+    <dgm:linClrLst meth="repeat">
+      <a:schemeClr val="accent1"/>
+    </dgm:linClrLst>
+    <dgm:effectClrLst/>
+    <dgm:txLinClrLst/>
+    <dgm:txFillClrLst meth="repeat">
+      <a:schemeClr val="dk1"/>
+    </dgm:txFillClrLst>
+    <dgm:txEffectClrLst/>
+  </dgm:styleLbl>
+  <dgm:styleLbl name="solidFgAcc1">
+    <dgm:fillClrLst meth="repeat">
+      <a:schemeClr val="lt1"/>
+    </dgm:fillClrLst>
+    <dgm:linClrLst meth="repeat">
+      <a:schemeClr val="accent1"/>
+    </dgm:linClrLst>
+    <dgm:effectClrLst/>
+    <dgm:txLinClrLst/>
+    <dgm:txFillClrLst meth="repeat">
+      <a:schemeClr val="dk1"/>
+    </dgm:txFillClrLst>
+    <dgm:txEffectClrLst/>
+  </dgm:styleLbl>
+  <dgm:styleLbl name="solidAlignAcc1">
+    <dgm:fillClrLst meth="repeat">
+      <a:schemeClr val="lt1"/>
+    </dgm:fillClrLst>
+    <dgm:linClrLst meth="repeat">
+      <a:schemeClr val="accent1"/>
+    </dgm:linClrLst>
+    <dgm:effectClrLst/>
+    <dgm:txLinClrLst/>
+    <dgm:txFillClrLst meth="repeat">
+      <a:schemeClr val="dk1"/>
+    </dgm:txFillClrLst>
+    <dgm:txEffectClrLst/>
+  </dgm:styleLbl>
+  <dgm:styleLbl name="solidBgAcc1">
+    <dgm:fillClrLst meth="repeat">
+      <a:schemeClr val="lt1"/>
+    </dgm:fillClrLst>
+    <dgm:linClrLst meth="repeat">
+      <a:schemeClr val="accent1"/>
+    </dgm:linClrLst>
+    <dgm:effectClrLst/>
+    <dgm:txLinClrLst/>
+    <dgm:txFillClrLst meth="repeat">
+      <a:schemeClr val="dk1"/>
+    </dgm:txFillClrLst>
+    <dgm:txEffectClrLst/>
+  </dgm:styleLbl>
+  <dgm:styleLbl name="fgAccFollowNode1">
+    <dgm:fillClrLst meth="repeat">
+      <a:schemeClr val="accent1">
+        <a:alpha val="90000"/>
+        <a:tint val="40000"/>
+      </a:schemeClr>
+    </dgm:fillClrLst>
+    <dgm:linClrLst meth="repeat">
+      <a:schemeClr val="accent1">
+        <a:alpha val="90000"/>
+        <a:tint val="40000"/>
+      </a:schemeClr>
+    </dgm:linClrLst>
+    <dgm:effectClrLst/>
+    <dgm:txLinClrLst/>
+    <dgm:txFillClrLst meth="repeat">
+      <a:schemeClr val="dk1"/>
+    </dgm:txFillClrLst>
+    <dgm:txEffectClrLst/>
+  </dgm:styleLbl>
+  <dgm:styleLbl name="alignAccFollowNode1">
+    <dgm:fillClrLst meth="repeat">
+      <a:schemeClr val="accent1">
+        <a:alpha val="90000"/>
+        <a:tint val="40000"/>
+      </a:schemeClr>
+    </dgm:fillClrLst>
+    <dgm:linClrLst meth="repeat">
+      <a:schemeClr val="accent1">
+        <a:alpha val="90000"/>
+        <a:tint val="40000"/>
+      </a:schemeClr>
+    </dgm:linClrLst>
+    <dgm:effectClrLst/>
+    <dgm:txLinClrLst/>
+    <dgm:txFillClrLst meth="repeat">
+      <a:schemeClr val="dk1"/>
+    </dgm:txFillClrLst>
+    <dgm:txEffectClrLst/>
+  </dgm:styleLbl>
+  <dgm:styleLbl name="bgAccFollowNode1">
+    <dgm:fillClrLst meth="repeat">
+      <a:schemeClr val="accent1">
+        <a:alpha val="90000"/>
+        <a:tint val="40000"/>
+      </a:schemeClr>
+    </dgm:fillClrLst>
+    <dgm:linClrLst meth="repeat">
+      <a:schemeClr val="accent1">
+        <a:alpha val="90000"/>
+        <a:tint val="40000"/>
+      </a:schemeClr>
+    </dgm:linClrLst>
+    <dgm:effectClrLst/>
+    <dgm:txLinClrLst/>
+    <dgm:txFillClrLst meth="repeat">
+      <a:schemeClr val="dk1"/>
+    </dgm:txFillClrLst>
+    <dgm:txEffectClrLst/>
+  </dgm:styleLbl>
+  <dgm:styleLbl name="fgAcc0">
+    <dgm:fillClrLst meth="repeat">
+      <a:schemeClr val="lt1">
+        <a:alpha val="90000"/>
+      </a:schemeClr>
+    </dgm:fillClrLst>
+    <dgm:linClrLst meth="repeat">
+      <a:schemeClr val="accent1"/>
+    </dgm:linClrLst>
+    <dgm:effectClrLst/>
+    <dgm:txLinClrLst/>
+    <dgm:txFillClrLst meth="repeat">
+      <a:schemeClr val="dk1"/>
+    </dgm:txFillClrLst>
+    <dgm:txEffectClrLst/>
+  </dgm:styleLbl>
+  <dgm:styleLbl name="fgAcc2">
+    <dgm:fillClrLst meth="repeat">
+      <a:schemeClr val="lt1">
+        <a:alpha val="90000"/>
+      </a:schemeClr>
+    </dgm:fillClrLst>
+    <dgm:linClrLst meth="repeat">
+      <a:schemeClr val="accent1"/>
+    </dgm:linClrLst>
+    <dgm:effectClrLst/>
+    <dgm:txLinClrLst/>
+    <dgm:txFillClrLst meth="repeat">
+      <a:schemeClr val="dk1"/>
+    </dgm:txFillClrLst>
+    <dgm:txEffectClrLst/>
+  </dgm:styleLbl>
+  <dgm:styleLbl name="fgAcc3">
+    <dgm:fillClrLst meth="repeat">
+      <a:schemeClr val="lt1">
+        <a:alpha val="90000"/>
+      </a:schemeClr>
+    </dgm:fillClrLst>
+    <dgm:linClrLst meth="repeat">
+      <a:schemeClr val="accent1"/>
+    </dgm:linClrLst>
+    <dgm:effectClrLst/>
+    <dgm:txLinClrLst/>
+    <dgm:txFillClrLst meth="repeat">
+      <a:schemeClr val="dk1"/>
+    </dgm:txFillClrLst>
+    <dgm:txEffectClrLst/>
+  </dgm:styleLbl>
+  <dgm:styleLbl name="fgAcc4">
+    <dgm:fillClrLst meth="repeat">
+      <a:schemeClr val="lt1">
+        <a:alpha val="90000"/>
+      </a:schemeClr>
+    </dgm:fillClrLst>
+    <dgm:linClrLst meth="repeat">
+      <a:schemeClr val="accent1"/>
+    </dgm:linClrLst>
+    <dgm:effectClrLst/>
+    <dgm:txLinClrLst/>
+    <dgm:txFillClrLst meth="repeat">
+      <a:schemeClr val="dk1"/>
+    </dgm:txFillClrLst>
+    <dgm:txEffectClrLst/>
+  </dgm:styleLbl>
+  <dgm:styleLbl name="bgShp">
+    <dgm:fillClrLst meth="repeat">
+      <a:schemeClr val="accent1">
+        <a:tint val="40000"/>
+      </a:schemeClr>
+    </dgm:fillClrLst>
+    <dgm:linClrLst meth="repeat">
+      <a:schemeClr val="accent1"/>
+    </dgm:linClrLst>
+    <dgm:effectClrLst/>
+    <dgm:txLinClrLst/>
+    <dgm:txFillClrLst meth="repeat">
+      <a:schemeClr val="dk1"/>
+    </dgm:txFillClrLst>
+    <dgm:txEffectClrLst/>
+  </dgm:styleLbl>
+  <dgm:styleLbl name="dkBgShp">
+    <dgm:fillClrLst meth="repeat">
+      <a:schemeClr val="accent1">
+        <a:shade val="80000"/>
+      </a:schemeClr>
+    </dgm:fillClrLst>
+    <dgm:linClrLst meth="repeat">
+      <a:schemeClr val="accent1"/>
+    </dgm:linClrLst>
+    <dgm:effectClrLst/>
+    <dgm:txLinClrLst/>
+    <dgm:txFillClrLst meth="repeat">
+      <a:schemeClr val="lt1"/>
+    </dgm:txFillClrLst>
+    <dgm:txEffectClrLst/>
+  </dgm:styleLbl>
+  <dgm:styleLbl name="trBgShp">
+    <dgm:fillClrLst meth="repeat">
+      <a:schemeClr val="accent1">
+        <a:tint val="50000"/>
+        <a:alpha val="40000"/>
+      </a:schemeClr>
+    </dgm:fillClrLst>
+    <dgm:linClrLst meth="repeat">
+      <a:schemeClr val="accent1"/>
+    </dgm:linClrLst>
+    <dgm:effectClrLst/>
+    <dgm:txLinClrLst/>
+    <dgm:txFillClrLst meth="repeat">
+      <a:schemeClr val="lt1"/>
+    </dgm:txFillClrLst>
+    <dgm:txEffectClrLst/>
+  </dgm:styleLbl>
+  <dgm:styleLbl name="fgShp">
+    <dgm:fillClrLst meth="repeat">
+      <a:schemeClr val="accent1">
+        <a:tint val="60000"/>
+      </a:schemeClr>
+    </dgm:fillClrLst>
+    <dgm:linClrLst meth="repeat">
+      <a:schemeClr val="lt1"/>
+    </dgm:linClrLst>
+    <dgm:effectClrLst/>
+    <dgm:txLinClrLst/>
+    <dgm:txFillClrLst meth="repeat">
+      <a:schemeClr val="dk1"/>
+    </dgm:txFillClrLst>
+    <dgm:txEffectClrLst/>
+  </dgm:styleLbl>
+  <dgm:styleLbl name="revTx">
+    <dgm:fillClrLst meth="repeat">
+      <a:schemeClr val="lt1">
+        <a:alpha val="0"/>
+      </a:schemeClr>
+    </dgm:fillClrLst>
+    <dgm:linClrLst meth="repeat">
+      <a:schemeClr val="dk1">
+        <a:alpha val="0"/>
+      </a:schemeClr>
+    </dgm:linClrLst>
+    <dgm:effectClrLst/>
+    <dgm:txLinClrLst/>
+    <dgm:txFillClrLst meth="repeat">
+      <a:schemeClr val="tx1"/>
+    </dgm:txFillClrLst>
+    <dgm:txEffectClrLst/>
+  </dgm:styleLbl>
+</dgm:colorsDef>
+</file>
+
+<file path=ppt/diagrams/data1.xml><?xml version="1.0" encoding="utf-8"?>
+<dgm:dataModel xmlns:dgm="http://schemas.openxmlformats.org/drawingml/2006/diagram" xmlns:a="http://schemas.openxmlformats.org/drawingml/2006/main">
+  <dgm:ptLst>
+    <dgm:pt modelId="{29461FB3-8AD9-4FB8-974D-F86165F25BC9}" type="doc">
+      <dgm:prSet loTypeId="urn:microsoft.com/office/officeart/2005/8/layout/hChevron3" loCatId="process" qsTypeId="urn:microsoft.com/office/officeart/2005/8/quickstyle/simple1" qsCatId="simple" csTypeId="urn:microsoft.com/office/officeart/2005/8/colors/accent1_2" csCatId="accent1" phldr="1"/>
+      <dgm:spPr/>
+    </dgm:pt>
+    <dgm:pt modelId="{6362D661-F19C-42CA-BB63-E2875E55AF10}">
+      <dgm:prSet phldrT="[Text]" custT="1"/>
+      <dgm:spPr>
+        <a:solidFill>
+          <a:srgbClr val="9B0A7D"/>
+        </a:solidFill>
+      </dgm:spPr>
+      <dgm:t>
+        <a:bodyPr/>
+        <a:lstStyle/>
+        <a:p>
+          <a:r>
+            <a:rPr lang="de-DE" sz="2800" dirty="0"/>
+            <a:t>Formulate Research Questions</a:t>
+          </a:r>
+          <a:endParaRPr lang="LID4096" sz="2800" dirty="0"/>
+        </a:p>
+      </dgm:t>
+    </dgm:pt>
+    <dgm:pt modelId="{1AE2141D-1027-4B2F-B82E-51312C731E91}" type="parTrans" cxnId="{49EEFD6E-99CE-4094-96C6-DAD11E7291B2}">
+      <dgm:prSet/>
+      <dgm:spPr/>
+      <dgm:t>
+        <a:bodyPr/>
+        <a:lstStyle/>
+        <a:p>
+          <a:endParaRPr lang="LID4096"/>
+        </a:p>
+      </dgm:t>
+    </dgm:pt>
+    <dgm:pt modelId="{35D33579-8F0A-4BF1-9AF1-18EBF8DB5802}" type="sibTrans" cxnId="{49EEFD6E-99CE-4094-96C6-DAD11E7291B2}">
+      <dgm:prSet/>
+      <dgm:spPr/>
+      <dgm:t>
+        <a:bodyPr/>
+        <a:lstStyle/>
+        <a:p>
+          <a:endParaRPr lang="LID4096"/>
+        </a:p>
+      </dgm:t>
+    </dgm:pt>
+    <dgm:pt modelId="{291865AA-8EA2-4F27-A312-007B418DFFC1}">
+      <dgm:prSet phldrT="[Text]" custT="1"/>
+      <dgm:spPr>
+        <a:solidFill>
+          <a:srgbClr val="9B0A7D"/>
+        </a:solidFill>
+      </dgm:spPr>
+      <dgm:t>
+        <a:bodyPr/>
+        <a:lstStyle/>
+        <a:p>
+          <a:r>
+            <a:rPr lang="de-DE" sz="2800" dirty="0"/>
+            <a:t>Web Scraping</a:t>
+          </a:r>
+          <a:endParaRPr lang="LID4096" sz="2800" dirty="0"/>
+        </a:p>
+      </dgm:t>
+    </dgm:pt>
+    <dgm:pt modelId="{74B8A82C-0CC6-4B86-B099-420E661E18CC}" type="parTrans" cxnId="{F413C015-5572-4780-855C-60323AA0774B}">
+      <dgm:prSet/>
+      <dgm:spPr/>
+      <dgm:t>
+        <a:bodyPr/>
+        <a:lstStyle/>
+        <a:p>
+          <a:endParaRPr lang="LID4096"/>
+        </a:p>
+      </dgm:t>
+    </dgm:pt>
+    <dgm:pt modelId="{B937DB2B-84F2-4527-9BC8-17D8ECC818AA}" type="sibTrans" cxnId="{F413C015-5572-4780-855C-60323AA0774B}">
+      <dgm:prSet/>
+      <dgm:spPr/>
+      <dgm:t>
+        <a:bodyPr/>
+        <a:lstStyle/>
+        <a:p>
+          <a:endParaRPr lang="LID4096"/>
+        </a:p>
+      </dgm:t>
+    </dgm:pt>
+    <dgm:pt modelId="{88729835-60CE-409D-80AB-A88329A6C8B9}">
+      <dgm:prSet phldrT="[Text]" custT="1"/>
+      <dgm:spPr>
+        <a:solidFill>
+          <a:srgbClr val="9B0A7D"/>
+        </a:solidFill>
+      </dgm:spPr>
+      <dgm:t>
+        <a:bodyPr/>
+        <a:lstStyle/>
+        <a:p>
+          <a:r>
+            <a:rPr lang="de-DE" sz="2800" dirty="0"/>
+            <a:t>Data Visualization and Analysis</a:t>
+          </a:r>
+          <a:endParaRPr lang="LID4096" sz="2800" dirty="0"/>
+        </a:p>
+      </dgm:t>
+    </dgm:pt>
+    <dgm:pt modelId="{4F323C09-19D1-4807-A4C8-984321B6207E}" type="parTrans" cxnId="{075350D6-3769-4DBA-BCEC-F963B74A198E}">
+      <dgm:prSet/>
+      <dgm:spPr/>
+      <dgm:t>
+        <a:bodyPr/>
+        <a:lstStyle/>
+        <a:p>
+          <a:endParaRPr lang="LID4096"/>
+        </a:p>
+      </dgm:t>
+    </dgm:pt>
+    <dgm:pt modelId="{69DBB6A0-CD2A-44C0-968D-DBFFEBAD4121}" type="sibTrans" cxnId="{075350D6-3769-4DBA-BCEC-F963B74A198E}">
+      <dgm:prSet/>
+      <dgm:spPr/>
+      <dgm:t>
+        <a:bodyPr/>
+        <a:lstStyle/>
+        <a:p>
+          <a:endParaRPr lang="LID4096"/>
+        </a:p>
+      </dgm:t>
+    </dgm:pt>
+    <dgm:pt modelId="{BDDBDC8B-B59A-42BF-A080-CA109EE3573E}">
+      <dgm:prSet phldrT="[Text]" custT="1"/>
+      <dgm:spPr>
+        <a:solidFill>
+          <a:srgbClr val="9B0A7D"/>
+        </a:solidFill>
+      </dgm:spPr>
+      <dgm:t>
+        <a:bodyPr/>
+        <a:lstStyle/>
+        <a:p>
+          <a:r>
+            <a:rPr lang="de-DE" sz="2800" dirty="0"/>
+            <a:t>Data Cleaning and Storage</a:t>
+          </a:r>
+          <a:endParaRPr lang="LID4096" sz="2800" dirty="0"/>
+        </a:p>
+      </dgm:t>
+    </dgm:pt>
+    <dgm:pt modelId="{5229245A-8029-48A6-BF30-AED970942F68}" type="parTrans" cxnId="{EDEAB094-3EDA-4096-A9A4-465608E5BC76}">
+      <dgm:prSet/>
+      <dgm:spPr/>
+      <dgm:t>
+        <a:bodyPr/>
+        <a:lstStyle/>
+        <a:p>
+          <a:endParaRPr lang="LID4096"/>
+        </a:p>
+      </dgm:t>
+    </dgm:pt>
+    <dgm:pt modelId="{F6CAD903-C247-4BDF-A5C1-4DC9F8133B2B}" type="sibTrans" cxnId="{EDEAB094-3EDA-4096-A9A4-465608E5BC76}">
+      <dgm:prSet/>
+      <dgm:spPr/>
+      <dgm:t>
+        <a:bodyPr/>
+        <a:lstStyle/>
+        <a:p>
+          <a:endParaRPr lang="LID4096"/>
+        </a:p>
+      </dgm:t>
+    </dgm:pt>
+    <dgm:pt modelId="{26E949EB-E1E8-4760-8F81-86E41A103517}" type="pres">
+      <dgm:prSet presAssocID="{29461FB3-8AD9-4FB8-974D-F86165F25BC9}" presName="Name0" presStyleCnt="0">
+        <dgm:presLayoutVars>
+          <dgm:dir/>
+          <dgm:resizeHandles val="exact"/>
+        </dgm:presLayoutVars>
+      </dgm:prSet>
+      <dgm:spPr/>
+    </dgm:pt>
+    <dgm:pt modelId="{F441D682-FBAF-4581-ACCB-ACDAFE4AF8B5}" type="pres">
+      <dgm:prSet presAssocID="{6362D661-F19C-42CA-BB63-E2875E55AF10}" presName="parTxOnly" presStyleLbl="node1" presStyleIdx="0" presStyleCnt="4">
+        <dgm:presLayoutVars>
+          <dgm:bulletEnabled val="1"/>
+        </dgm:presLayoutVars>
+      </dgm:prSet>
+      <dgm:spPr/>
+    </dgm:pt>
+    <dgm:pt modelId="{E0122702-BC5B-4BBA-B37E-5E7E644945D2}" type="pres">
+      <dgm:prSet presAssocID="{35D33579-8F0A-4BF1-9AF1-18EBF8DB5802}" presName="parSpace" presStyleCnt="0"/>
+      <dgm:spPr/>
+    </dgm:pt>
+    <dgm:pt modelId="{69D5769C-CD0F-42AB-980E-9E8A7DD0488A}" type="pres">
+      <dgm:prSet presAssocID="{291865AA-8EA2-4F27-A312-007B418DFFC1}" presName="parTxOnly" presStyleLbl="node1" presStyleIdx="1" presStyleCnt="4">
+        <dgm:presLayoutVars>
+          <dgm:bulletEnabled val="1"/>
+        </dgm:presLayoutVars>
+      </dgm:prSet>
+      <dgm:spPr/>
+    </dgm:pt>
+    <dgm:pt modelId="{EDE9C273-E6A4-4712-81CF-E1F3D3498291}" type="pres">
+      <dgm:prSet presAssocID="{B937DB2B-84F2-4527-9BC8-17D8ECC818AA}" presName="parSpace" presStyleCnt="0"/>
+      <dgm:spPr/>
+    </dgm:pt>
+    <dgm:pt modelId="{10C52877-26DB-48E5-8560-4FEEE369D9B5}" type="pres">
+      <dgm:prSet presAssocID="{BDDBDC8B-B59A-42BF-A080-CA109EE3573E}" presName="parTxOnly" presStyleLbl="node1" presStyleIdx="2" presStyleCnt="4">
+        <dgm:presLayoutVars>
+          <dgm:bulletEnabled val="1"/>
+        </dgm:presLayoutVars>
+      </dgm:prSet>
+      <dgm:spPr/>
+    </dgm:pt>
+    <dgm:pt modelId="{D3AE99A3-CBF4-487D-A68A-87D4A22AFBC9}" type="pres">
+      <dgm:prSet presAssocID="{F6CAD903-C247-4BDF-A5C1-4DC9F8133B2B}" presName="parSpace" presStyleCnt="0"/>
+      <dgm:spPr/>
+    </dgm:pt>
+    <dgm:pt modelId="{ABD72502-FEF5-4906-B844-72A6592431D5}" type="pres">
+      <dgm:prSet presAssocID="{88729835-60CE-409D-80AB-A88329A6C8B9}" presName="parTxOnly" presStyleLbl="node1" presStyleIdx="3" presStyleCnt="4">
+        <dgm:presLayoutVars>
+          <dgm:bulletEnabled val="1"/>
+        </dgm:presLayoutVars>
+      </dgm:prSet>
+      <dgm:spPr/>
+    </dgm:pt>
+  </dgm:ptLst>
+  <dgm:cxnLst>
+    <dgm:cxn modelId="{F413C015-5572-4780-855C-60323AA0774B}" srcId="{29461FB3-8AD9-4FB8-974D-F86165F25BC9}" destId="{291865AA-8EA2-4F27-A312-007B418DFFC1}" srcOrd="1" destOrd="0" parTransId="{74B8A82C-0CC6-4B86-B099-420E661E18CC}" sibTransId="{B937DB2B-84F2-4527-9BC8-17D8ECC818AA}"/>
+    <dgm:cxn modelId="{7DB2EB36-FD89-404C-B932-D7935D3F70EA}" type="presOf" srcId="{6362D661-F19C-42CA-BB63-E2875E55AF10}" destId="{F441D682-FBAF-4581-ACCB-ACDAFE4AF8B5}" srcOrd="0" destOrd="0" presId="urn:microsoft.com/office/officeart/2005/8/layout/hChevron3"/>
+    <dgm:cxn modelId="{59894266-9B01-47BC-A257-F657CA72C408}" type="presOf" srcId="{291865AA-8EA2-4F27-A312-007B418DFFC1}" destId="{69D5769C-CD0F-42AB-980E-9E8A7DD0488A}" srcOrd="0" destOrd="0" presId="urn:microsoft.com/office/officeart/2005/8/layout/hChevron3"/>
+    <dgm:cxn modelId="{49EEFD6E-99CE-4094-96C6-DAD11E7291B2}" srcId="{29461FB3-8AD9-4FB8-974D-F86165F25BC9}" destId="{6362D661-F19C-42CA-BB63-E2875E55AF10}" srcOrd="0" destOrd="0" parTransId="{1AE2141D-1027-4B2F-B82E-51312C731E91}" sibTransId="{35D33579-8F0A-4BF1-9AF1-18EBF8DB5802}"/>
+    <dgm:cxn modelId="{D4304578-E10E-4F67-857B-2F1BEDEDC077}" type="presOf" srcId="{29461FB3-8AD9-4FB8-974D-F86165F25BC9}" destId="{26E949EB-E1E8-4760-8F81-86E41A103517}" srcOrd="0" destOrd="0" presId="urn:microsoft.com/office/officeart/2005/8/layout/hChevron3"/>
+    <dgm:cxn modelId="{EDEAB094-3EDA-4096-A9A4-465608E5BC76}" srcId="{29461FB3-8AD9-4FB8-974D-F86165F25BC9}" destId="{BDDBDC8B-B59A-42BF-A080-CA109EE3573E}" srcOrd="2" destOrd="0" parTransId="{5229245A-8029-48A6-BF30-AED970942F68}" sibTransId="{F6CAD903-C247-4BDF-A5C1-4DC9F8133B2B}"/>
+    <dgm:cxn modelId="{0CF4EFB2-E6A7-4B0B-9606-3563B5CBAA2E}" type="presOf" srcId="{BDDBDC8B-B59A-42BF-A080-CA109EE3573E}" destId="{10C52877-26DB-48E5-8560-4FEEE369D9B5}" srcOrd="0" destOrd="0" presId="urn:microsoft.com/office/officeart/2005/8/layout/hChevron3"/>
+    <dgm:cxn modelId="{F686EACE-9586-4F19-8866-5D9D84900F78}" type="presOf" srcId="{88729835-60CE-409D-80AB-A88329A6C8B9}" destId="{ABD72502-FEF5-4906-B844-72A6592431D5}" srcOrd="0" destOrd="0" presId="urn:microsoft.com/office/officeart/2005/8/layout/hChevron3"/>
+    <dgm:cxn modelId="{075350D6-3769-4DBA-BCEC-F963B74A198E}" srcId="{29461FB3-8AD9-4FB8-974D-F86165F25BC9}" destId="{88729835-60CE-409D-80AB-A88329A6C8B9}" srcOrd="3" destOrd="0" parTransId="{4F323C09-19D1-4807-A4C8-984321B6207E}" sibTransId="{69DBB6A0-CD2A-44C0-968D-DBFFEBAD4121}"/>
+    <dgm:cxn modelId="{A3861F80-C96D-43EF-B9B6-DB0E99781DAD}" type="presParOf" srcId="{26E949EB-E1E8-4760-8F81-86E41A103517}" destId="{F441D682-FBAF-4581-ACCB-ACDAFE4AF8B5}" srcOrd="0" destOrd="0" presId="urn:microsoft.com/office/officeart/2005/8/layout/hChevron3"/>
+    <dgm:cxn modelId="{3F371607-D939-4139-9732-0E41A9984160}" type="presParOf" srcId="{26E949EB-E1E8-4760-8F81-86E41A103517}" destId="{E0122702-BC5B-4BBA-B37E-5E7E644945D2}" srcOrd="1" destOrd="0" presId="urn:microsoft.com/office/officeart/2005/8/layout/hChevron3"/>
+    <dgm:cxn modelId="{E5D954D6-F6B6-46D5-9DF2-742988CFFD96}" type="presParOf" srcId="{26E949EB-E1E8-4760-8F81-86E41A103517}" destId="{69D5769C-CD0F-42AB-980E-9E8A7DD0488A}" srcOrd="2" destOrd="0" presId="urn:microsoft.com/office/officeart/2005/8/layout/hChevron3"/>
+    <dgm:cxn modelId="{0FA7B6DE-EE8C-46C5-9CFF-8BC30E362641}" type="presParOf" srcId="{26E949EB-E1E8-4760-8F81-86E41A103517}" destId="{EDE9C273-E6A4-4712-81CF-E1F3D3498291}" srcOrd="3" destOrd="0" presId="urn:microsoft.com/office/officeart/2005/8/layout/hChevron3"/>
+    <dgm:cxn modelId="{24F4E172-48C2-439A-8C85-EE7B2987BE99}" type="presParOf" srcId="{26E949EB-E1E8-4760-8F81-86E41A103517}" destId="{10C52877-26DB-48E5-8560-4FEEE369D9B5}" srcOrd="4" destOrd="0" presId="urn:microsoft.com/office/officeart/2005/8/layout/hChevron3"/>
+    <dgm:cxn modelId="{82406225-0710-4627-81EF-BDBF42DA02D2}" type="presParOf" srcId="{26E949EB-E1E8-4760-8F81-86E41A103517}" destId="{D3AE99A3-CBF4-487D-A68A-87D4A22AFBC9}" srcOrd="5" destOrd="0" presId="urn:microsoft.com/office/officeart/2005/8/layout/hChevron3"/>
+    <dgm:cxn modelId="{3765113E-EE8D-4F57-A3FA-997D437F8E61}" type="presParOf" srcId="{26E949EB-E1E8-4760-8F81-86E41A103517}" destId="{ABD72502-FEF5-4906-B844-72A6592431D5}" srcOrd="6" destOrd="0" presId="urn:microsoft.com/office/officeart/2005/8/layout/hChevron3"/>
+  </dgm:cxnLst>
+  <dgm:bg/>
+  <dgm:whole/>
+  <dgm:extLst>
+    <a:ext uri="http://schemas.microsoft.com/office/drawing/2008/diagram">
+      <dsp:dataModelExt xmlns:dsp="http://schemas.microsoft.com/office/drawing/2008/diagram" relId="rId15" minVer="http://schemas.openxmlformats.org/drawingml/2006/diagram"/>
+    </a:ext>
+  </dgm:extLst>
+</dgm:dataModel>
+</file>
+
+<file path=ppt/diagrams/drawing1.xml><?xml version="1.0" encoding="utf-8"?>
+<dsp:drawing xmlns:dgm="http://schemas.openxmlformats.org/drawingml/2006/diagram" xmlns:dsp="http://schemas.microsoft.com/office/drawing/2008/diagram" xmlns:a="http://schemas.openxmlformats.org/drawingml/2006/main">
+  <dsp:spTree>
+    <dsp:nvGrpSpPr>
+      <dsp:cNvPr id="0" name=""/>
+      <dsp:cNvGrpSpPr/>
+    </dsp:nvGrpSpPr>
+    <dsp:grpSpPr/>
+    <dsp:sp modelId="{F441D682-FBAF-4581-ACCB-ACDAFE4AF8B5}">
+      <dsp:nvSpPr>
+        <dsp:cNvPr id="0" name=""/>
+        <dsp:cNvSpPr/>
+      </dsp:nvSpPr>
+      <dsp:spPr>
+        <a:xfrm>
+          <a:off x="4066" y="0"/>
+          <a:ext cx="4079612" cy="1440000"/>
+        </a:xfrm>
+        <a:prstGeom prst="homePlate">
+          <a:avLst/>
+        </a:prstGeom>
+        <a:solidFill>
+          <a:srgbClr val="9B0A7D"/>
+        </a:solidFill>
+        <a:ln w="12700" cap="flat" cmpd="sng" algn="ctr">
+          <a:solidFill>
+            <a:schemeClr val="lt1">
+              <a:hueOff val="0"/>
+              <a:satOff val="0"/>
+              <a:lumOff val="0"/>
+              <a:alphaOff val="0"/>
+            </a:schemeClr>
+          </a:solidFill>
+          <a:prstDash val="solid"/>
+          <a:miter lim="800000"/>
+        </a:ln>
+        <a:effectLst/>
+      </dsp:spPr>
+      <dsp:style>
+        <a:lnRef idx="2">
+          <a:scrgbClr r="0" g="0" b="0"/>
+        </a:lnRef>
+        <a:fillRef idx="1">
+          <a:scrgbClr r="0" g="0" b="0"/>
+        </a:fillRef>
+        <a:effectRef idx="0">
+          <a:scrgbClr r="0" g="0" b="0"/>
+        </a:effectRef>
+        <a:fontRef idx="minor">
+          <a:schemeClr val="lt1"/>
+        </a:fontRef>
+      </dsp:style>
+      <dsp:txBody>
+        <a:bodyPr spcFirstLastPara="0" vert="horz" wrap="square" lIns="149352" tIns="74676" rIns="37338" bIns="74676" numCol="1" spcCol="1270" anchor="ctr" anchorCtr="0">
+          <a:noAutofit/>
+        </a:bodyPr>
+        <a:lstStyle/>
+        <a:p>
+          <a:pPr marL="0" lvl="0" indent="0" algn="ctr" defTabSz="1244600">
+            <a:lnSpc>
+              <a:spcPct val="90000"/>
+            </a:lnSpc>
+            <a:spcBef>
+              <a:spcPct val="0"/>
+            </a:spcBef>
+            <a:spcAft>
+              <a:spcPct val="35000"/>
+            </a:spcAft>
+            <a:buNone/>
+          </a:pPr>
+          <a:r>
+            <a:rPr lang="de-DE" sz="2800" kern="1200" dirty="0"/>
+            <a:t>Formulate Research Questions</a:t>
+          </a:r>
+          <a:endParaRPr lang="LID4096" sz="2800" kern="1200" dirty="0"/>
+        </a:p>
+      </dsp:txBody>
+      <dsp:txXfrm>
+        <a:off x="4066" y="0"/>
+        <a:ext cx="3719612" cy="1440000"/>
+      </dsp:txXfrm>
+    </dsp:sp>
+    <dsp:sp modelId="{69D5769C-CD0F-42AB-980E-9E8A7DD0488A}">
+      <dsp:nvSpPr>
+        <dsp:cNvPr id="0" name=""/>
+        <dsp:cNvSpPr/>
+      </dsp:nvSpPr>
+      <dsp:spPr>
+        <a:xfrm>
+          <a:off x="3267755" y="0"/>
+          <a:ext cx="4079612" cy="1440000"/>
+        </a:xfrm>
+        <a:prstGeom prst="chevron">
+          <a:avLst/>
+        </a:prstGeom>
+        <a:solidFill>
+          <a:srgbClr val="9B0A7D"/>
+        </a:solidFill>
+        <a:ln w="12700" cap="flat" cmpd="sng" algn="ctr">
+          <a:solidFill>
+            <a:schemeClr val="lt1">
+              <a:hueOff val="0"/>
+              <a:satOff val="0"/>
+              <a:lumOff val="0"/>
+              <a:alphaOff val="0"/>
+            </a:schemeClr>
+          </a:solidFill>
+          <a:prstDash val="solid"/>
+          <a:miter lim="800000"/>
+        </a:ln>
+        <a:effectLst/>
+      </dsp:spPr>
+      <dsp:style>
+        <a:lnRef idx="2">
+          <a:scrgbClr r="0" g="0" b="0"/>
+        </a:lnRef>
+        <a:fillRef idx="1">
+          <a:scrgbClr r="0" g="0" b="0"/>
+        </a:fillRef>
+        <a:effectRef idx="0">
+          <a:scrgbClr r="0" g="0" b="0"/>
+        </a:effectRef>
+        <a:fontRef idx="minor">
+          <a:schemeClr val="lt1"/>
+        </a:fontRef>
+      </dsp:style>
+      <dsp:txBody>
+        <a:bodyPr spcFirstLastPara="0" vert="horz" wrap="square" lIns="112014" tIns="74676" rIns="37338" bIns="74676" numCol="1" spcCol="1270" anchor="ctr" anchorCtr="0">
+          <a:noAutofit/>
+        </a:bodyPr>
+        <a:lstStyle/>
+        <a:p>
+          <a:pPr marL="0" lvl="0" indent="0" algn="ctr" defTabSz="1244600">
+            <a:lnSpc>
+              <a:spcPct val="90000"/>
+            </a:lnSpc>
+            <a:spcBef>
+              <a:spcPct val="0"/>
+            </a:spcBef>
+            <a:spcAft>
+              <a:spcPct val="35000"/>
+            </a:spcAft>
+            <a:buNone/>
+          </a:pPr>
+          <a:r>
+            <a:rPr lang="de-DE" sz="2800" kern="1200" dirty="0"/>
+            <a:t>Web Scraping</a:t>
+          </a:r>
+          <a:endParaRPr lang="LID4096" sz="2800" kern="1200" dirty="0"/>
+        </a:p>
+      </dsp:txBody>
+      <dsp:txXfrm>
+        <a:off x="3987755" y="0"/>
+        <a:ext cx="2639612" cy="1440000"/>
+      </dsp:txXfrm>
+    </dsp:sp>
+    <dsp:sp modelId="{10C52877-26DB-48E5-8560-4FEEE369D9B5}">
+      <dsp:nvSpPr>
+        <dsp:cNvPr id="0" name=""/>
+        <dsp:cNvSpPr/>
+      </dsp:nvSpPr>
+      <dsp:spPr>
+        <a:xfrm>
+          <a:off x="6531445" y="0"/>
+          <a:ext cx="4079612" cy="1440000"/>
+        </a:xfrm>
+        <a:prstGeom prst="chevron">
+          <a:avLst/>
+        </a:prstGeom>
+        <a:solidFill>
+          <a:srgbClr val="9B0A7D"/>
+        </a:solidFill>
+        <a:ln w="12700" cap="flat" cmpd="sng" algn="ctr">
+          <a:solidFill>
+            <a:schemeClr val="lt1">
+              <a:hueOff val="0"/>
+              <a:satOff val="0"/>
+              <a:lumOff val="0"/>
+              <a:alphaOff val="0"/>
+            </a:schemeClr>
+          </a:solidFill>
+          <a:prstDash val="solid"/>
+          <a:miter lim="800000"/>
+        </a:ln>
+        <a:effectLst/>
+      </dsp:spPr>
+      <dsp:style>
+        <a:lnRef idx="2">
+          <a:scrgbClr r="0" g="0" b="0"/>
+        </a:lnRef>
+        <a:fillRef idx="1">
+          <a:scrgbClr r="0" g="0" b="0"/>
+        </a:fillRef>
+        <a:effectRef idx="0">
+          <a:scrgbClr r="0" g="0" b="0"/>
+        </a:effectRef>
+        <a:fontRef idx="minor">
+          <a:schemeClr val="lt1"/>
+        </a:fontRef>
+      </dsp:style>
+      <dsp:txBody>
+        <a:bodyPr spcFirstLastPara="0" vert="horz" wrap="square" lIns="112014" tIns="74676" rIns="37338" bIns="74676" numCol="1" spcCol="1270" anchor="ctr" anchorCtr="0">
+          <a:noAutofit/>
+        </a:bodyPr>
+        <a:lstStyle/>
+        <a:p>
+          <a:pPr marL="0" lvl="0" indent="0" algn="ctr" defTabSz="1244600">
+            <a:lnSpc>
+              <a:spcPct val="90000"/>
+            </a:lnSpc>
+            <a:spcBef>
+              <a:spcPct val="0"/>
+            </a:spcBef>
+            <a:spcAft>
+              <a:spcPct val="35000"/>
+            </a:spcAft>
+            <a:buNone/>
+          </a:pPr>
+          <a:r>
+            <a:rPr lang="de-DE" sz="2800" kern="1200" dirty="0"/>
+            <a:t>Data Cleaning and Storage</a:t>
+          </a:r>
+          <a:endParaRPr lang="LID4096" sz="2800" kern="1200" dirty="0"/>
+        </a:p>
+      </dsp:txBody>
+      <dsp:txXfrm>
+        <a:off x="7251445" y="0"/>
+        <a:ext cx="2639612" cy="1440000"/>
+      </dsp:txXfrm>
+    </dsp:sp>
+    <dsp:sp modelId="{ABD72502-FEF5-4906-B844-72A6592431D5}">
+      <dsp:nvSpPr>
+        <dsp:cNvPr id="0" name=""/>
+        <dsp:cNvSpPr/>
+      </dsp:nvSpPr>
+      <dsp:spPr>
+        <a:xfrm>
+          <a:off x="9795134" y="0"/>
+          <a:ext cx="4079612" cy="1440000"/>
+        </a:xfrm>
+        <a:prstGeom prst="chevron">
+          <a:avLst/>
+        </a:prstGeom>
+        <a:solidFill>
+          <a:srgbClr val="9B0A7D"/>
+        </a:solidFill>
+        <a:ln w="12700" cap="flat" cmpd="sng" algn="ctr">
+          <a:solidFill>
+            <a:schemeClr val="lt1">
+              <a:hueOff val="0"/>
+              <a:satOff val="0"/>
+              <a:lumOff val="0"/>
+              <a:alphaOff val="0"/>
+            </a:schemeClr>
+          </a:solidFill>
+          <a:prstDash val="solid"/>
+          <a:miter lim="800000"/>
+        </a:ln>
+        <a:effectLst/>
+      </dsp:spPr>
+      <dsp:style>
+        <a:lnRef idx="2">
+          <a:scrgbClr r="0" g="0" b="0"/>
+        </a:lnRef>
+        <a:fillRef idx="1">
+          <a:scrgbClr r="0" g="0" b="0"/>
+        </a:fillRef>
+        <a:effectRef idx="0">
+          <a:scrgbClr r="0" g="0" b="0"/>
+        </a:effectRef>
+        <a:fontRef idx="minor">
+          <a:schemeClr val="lt1"/>
+        </a:fontRef>
+      </dsp:style>
+      <dsp:txBody>
+        <a:bodyPr spcFirstLastPara="0" vert="horz" wrap="square" lIns="112014" tIns="74676" rIns="37338" bIns="74676" numCol="1" spcCol="1270" anchor="ctr" anchorCtr="0">
+          <a:noAutofit/>
+        </a:bodyPr>
+        <a:lstStyle/>
+        <a:p>
+          <a:pPr marL="0" lvl="0" indent="0" algn="ctr" defTabSz="1244600">
+            <a:lnSpc>
+              <a:spcPct val="90000"/>
+            </a:lnSpc>
+            <a:spcBef>
+              <a:spcPct val="0"/>
+            </a:spcBef>
+            <a:spcAft>
+              <a:spcPct val="35000"/>
+            </a:spcAft>
+            <a:buNone/>
+          </a:pPr>
+          <a:r>
+            <a:rPr lang="de-DE" sz="2800" kern="1200" dirty="0"/>
+            <a:t>Data Visualization and Analysis</a:t>
+          </a:r>
+          <a:endParaRPr lang="LID4096" sz="2800" kern="1200" dirty="0"/>
+        </a:p>
+      </dsp:txBody>
+      <dsp:txXfrm>
+        <a:off x="10515134" y="0"/>
+        <a:ext cx="2639612" cy="1440000"/>
+      </dsp:txXfrm>
+    </dsp:sp>
+  </dsp:spTree>
+</dsp:drawing>
+</file>
+
+<file path=ppt/diagrams/layout1.xml><?xml version="1.0" encoding="utf-8"?>
+<dgm:layoutDef xmlns:dgm="http://schemas.openxmlformats.org/drawingml/2006/diagram" xmlns:a="http://schemas.openxmlformats.org/drawingml/2006/main" uniqueId="urn:microsoft.com/office/officeart/2005/8/layout/hChevron3">
+  <dgm:title val=""/>
+  <dgm:desc val=""/>
+  <dgm:catLst>
+    <dgm:cat type="process" pri="10000"/>
+  </dgm:catLst>
+  <dgm:sampData useDef="1">
+    <dgm:dataModel>
+      <dgm:ptLst/>
+      <dgm:bg/>
+      <dgm:whole/>
+    </dgm:dataModel>
+  </dgm:sampData>
+  <dgm:styleData>
+    <dgm:dataModel>
+      <dgm:ptLst>
+        <dgm:pt modelId="0" type="doc"/>
+        <dgm:pt modelId="1"/>
+        <dgm:pt modelId="2"/>
+      </dgm:ptLst>
+      <dgm:cxnLst>
+        <dgm:cxn modelId="3" srcId="0" destId="1" srcOrd="0" destOrd="0"/>
+        <dgm:cxn modelId="4" srcId="0" destId="2" srcOrd="1" destOrd="0"/>
+      </dgm:cxnLst>
+      <dgm:bg/>
+      <dgm:whole/>
+    </dgm:dataModel>
+  </dgm:styleData>
+  <dgm:clrData>
+    <dgm:dataModel>
+      <dgm:ptLst>
+        <dgm:pt modelId="0" type="doc"/>
+        <dgm:pt modelId="1"/>
+        <dgm:pt modelId="2"/>
+        <dgm:pt modelId="3"/>
+        <dgm:pt modelId="4"/>
+      </dgm:ptLst>
+      <dgm:cxnLst>
+        <dgm:cxn modelId="5" srcId="0" destId="1" srcOrd="0" destOrd="0"/>
+        <dgm:cxn modelId="6" srcId="0" destId="2" srcOrd="1" destOrd="0"/>
+        <dgm:cxn modelId="7" srcId="0" destId="3" srcOrd="2" destOrd="0"/>
+        <dgm:cxn modelId="8" srcId="0" destId="4" srcOrd="3" destOrd="0"/>
+      </dgm:cxnLst>
+      <dgm:bg/>
+      <dgm:whole/>
+    </dgm:dataModel>
+  </dgm:clrData>
+  <dgm:layoutNode name="Name0">
+    <dgm:varLst>
+      <dgm:dir/>
+      <dgm:resizeHandles val="exact"/>
+    </dgm:varLst>
+    <dgm:choose name="Name1">
+      <dgm:if name="Name2" func="var" arg="dir" op="equ" val="norm">
+        <dgm:alg type="lin"/>
+      </dgm:if>
+      <dgm:else name="Name3">
+        <dgm:alg type="lin">
+          <dgm:param type="linDir" val="fromR"/>
+        </dgm:alg>
+      </dgm:else>
+    </dgm:choose>
+    <dgm:shape xmlns:r="http://schemas.openxmlformats.org/officeDocument/2006/relationships" r:blip="">
+      <dgm:adjLst/>
+    </dgm:shape>
+    <dgm:presOf/>
+    <dgm:choose name="Name4">
+      <dgm:if name="Name5" axis="root des" func="maxDepth" op="gte" val="2">
+        <dgm:constrLst>
+          <dgm:constr type="w" for="ch" forName="parAndChTx" refType="w"/>
+          <dgm:constr type="primFontSz" for="ch" ptType="node" op="equ"/>
+          <dgm:constr type="w" for="ch" forName="parAndChSpace" refType="w" refFor="ch" refForName="parAndChTx" fact="-0.2"/>
+          <dgm:constr type="w" for="ch" ptType="sibTrans" op="equ"/>
+        </dgm:constrLst>
+        <dgm:ruleLst/>
+        <dgm:forEach name="Name6" axis="ch" ptType="node">
+          <dgm:layoutNode name="parAndChTx">
+            <dgm:varLst>
+              <dgm:bulletEnabled val="1"/>
+            </dgm:varLst>
+            <dgm:alg type="tx"/>
+            <dgm:choose name="Name7">
+              <dgm:if name="Name8" func="var" arg="dir" op="equ" val="norm">
+                <dgm:choose name="Name9">
+                  <dgm:if name="Name10" axis="self" ptType="node" func="pos" op="equ" val="1">
+                    <dgm:shape xmlns:r="http://schemas.openxmlformats.org/officeDocument/2006/relationships" type="homePlate" r:blip="">
+                      <dgm:adjLst>
+                        <dgm:adj idx="1" val="0.25"/>
+                      </dgm:adjLst>
+                    </dgm:shape>
+                    <dgm:presOf axis="desOrSelf" ptType="node"/>
+                    <dgm:constrLst>
+                      <dgm:constr type="h" refType="w" op="equ" fact="0.8"/>
+                      <dgm:constr type="primFontSz" val="65"/>
+                      <dgm:constr type="tMarg" refType="primFontSz" fact="0.2"/>
+                      <dgm:constr type="bMarg" refType="primFontSz" fact="0.2"/>
+                      <dgm:constr type="lMarg" refType="w" fact="0.1"/>
+                      <dgm:constr type="rMarg" refType="w" fact="0.4"/>
+                    </dgm:constrLst>
+                  </dgm:if>
+                  <dgm:else name="Name11">
+                    <dgm:shape xmlns:r="http://schemas.openxmlformats.org/officeDocument/2006/relationships" type="chevron" r:blip="">
+                      <dgm:adjLst>
+                        <dgm:adj idx="1" val="0.25"/>
+                      </dgm:adjLst>
+                    </dgm:shape>
+                    <dgm:presOf axis="desOrSelf" ptType="node"/>
+                    <dgm:constrLst>
+                      <dgm:constr type="h" refType="w" op="equ" fact="0.8"/>
+                      <dgm:constr type="primFontSz" val="65"/>
+                      <dgm:constr type="tMarg" refType="primFontSz" fact="0.2"/>
+                      <dgm:constr type="bMarg" refType="primFontSz" fact="0.2"/>
+                      <dgm:constr type="lMarg" refType="w" fact="0.1"/>
+                      <dgm:constr type="rMarg" refType="w" fact="0.1"/>
+                    </dgm:constrLst>
+                  </dgm:else>
+                </dgm:choose>
+              </dgm:if>
+              <dgm:else name="Name12">
+                <dgm:choose name="Name13">
+                  <dgm:if name="Name14" axis="self" ptType="node" func="pos" op="equ" val="1">
+                    <dgm:shape xmlns:r="http://schemas.openxmlformats.org/officeDocument/2006/relationships" rot="180" type="homePlate" r:blip="">
+                      <dgm:adjLst>
+                        <dgm:adj idx="1" val="0.25"/>
+                      </dgm:adjLst>
+                    </dgm:shape>
+                    <dgm:presOf axis="desOrSelf" ptType="node"/>
+                    <dgm:constrLst>
+                      <dgm:constr type="h" refType="w" op="equ" fact="0.8"/>
+                      <dgm:constr type="primFontSz" val="65"/>
+                      <dgm:constr type="tMarg" refType="primFontSz" fact="0.2"/>
+                      <dgm:constr type="bMarg" refType="primFontSz" fact="0.2"/>
+                      <dgm:constr type="lMarg" refType="w" fact="0.4"/>
+                      <dgm:constr type="rMarg" refType="w" fact="0.1"/>
+                    </dgm:constrLst>
+                  </dgm:if>
+                  <dgm:else name="Name15">
+                    <dgm:shape xmlns:r="http://schemas.openxmlformats.org/officeDocument/2006/relationships" rot="180" type="chevron" r:blip="">
+                      <dgm:adjLst>
+                        <dgm:adj idx="1" val="0.25"/>
+                      </dgm:adjLst>
+                    </dgm:shape>
+                    <dgm:presOf axis="desOrSelf" ptType="node"/>
+                    <dgm:constrLst>
+                      <dgm:constr type="h" refType="w" op="equ" fact="0.8"/>
+                      <dgm:constr type="primFontSz" val="65"/>
+                      <dgm:constr type="tMarg" refType="primFontSz" fact="0.2"/>
+                      <dgm:constr type="bMarg" refType="primFontSz" fact="0.2"/>
+                      <dgm:constr type="lMarg" refType="w" fact="0.1"/>
+                      <dgm:constr type="rMarg" refType="w" fact="0.1"/>
+                    </dgm:constrLst>
+                  </dgm:else>
+                </dgm:choose>
+              </dgm:else>
+            </dgm:choose>
+            <dgm:ruleLst>
+              <dgm:rule type="primFontSz" val="5" fact="NaN" max="NaN"/>
+            </dgm:ruleLst>
+          </dgm:layoutNode>
+          <dgm:forEach name="Name16" axis="followSib" ptType="sibTrans" cnt="1">
+            <dgm:layoutNode name="parAndChSpace">
+              <dgm:alg type="sp"/>
+              <dgm:shape xmlns:r="http://schemas.openxmlformats.org/officeDocument/2006/relationships" r:blip="">
+                <dgm:adjLst/>
+              </dgm:shape>
+              <dgm:presOf/>
+              <dgm:constrLst/>
+              <dgm:ruleLst/>
+            </dgm:layoutNode>
+          </dgm:forEach>
+        </dgm:forEach>
+      </dgm:if>
+      <dgm:else name="Name17">
+        <dgm:constrLst>
+          <dgm:constr type="w" for="ch" forName="parTxOnly" refType="w"/>
+          <dgm:constr type="primFontSz" for="ch" ptType="node" op="equ"/>
+          <dgm:constr type="w" for="ch" forName="parSpace" refType="w" refFor="ch" refForName="parTxOnly" fact="-0.2"/>
+          <dgm:constr type="w" for="ch" ptType="sibTrans" op="equ"/>
+        </dgm:constrLst>
+        <dgm:ruleLst/>
+        <dgm:forEach name="Name18" axis="ch" ptType="node">
+          <dgm:layoutNode name="parTxOnly">
+            <dgm:varLst>
+              <dgm:bulletEnabled val="1"/>
+            </dgm:varLst>
+            <dgm:alg type="tx"/>
+            <dgm:presOf axis="desOrSelf" ptType="node"/>
+            <dgm:choose name="Name19">
+              <dgm:if name="Name20" func="var" arg="dir" op="equ" val="norm">
+                <dgm:choose name="Name21">
+                  <dgm:if name="Name22" axis="self" ptType="node" func="pos" op="equ" val="1">
+                    <dgm:shape xmlns:r="http://schemas.openxmlformats.org/officeDocument/2006/relationships" type="homePlate" r:blip="">
+                      <dgm:adjLst/>
+                    </dgm:shape>
+                    <dgm:constrLst>
+                      <dgm:constr type="h" refType="w" op="equ" fact="0.4"/>
+                      <dgm:constr type="primFontSz" val="65"/>
+                      <dgm:constr type="tMarg" refType="primFontSz" fact="0.21"/>
+                      <dgm:constr type="bMarg" refType="primFontSz" fact="0.21"/>
+                      <dgm:constr type="lMarg" refType="primFontSz" fact="0.42"/>
+                      <dgm:constr type="rMarg" refType="primFontSz" fact="0.105"/>
+                    </dgm:constrLst>
+                  </dgm:if>
+                  <dgm:else name="Name23">
+                    <dgm:shape xmlns:r="http://schemas.openxmlformats.org/officeDocument/2006/relationships" type="chevron" r:blip="">
+                      <dgm:adjLst/>
+                    </dgm:shape>
+                    <dgm:constrLst>
+                      <dgm:constr type="h" refType="w" op="equ" fact="0.4"/>
+                      <dgm:constr type="primFontSz" val="65"/>
+                      <dgm:constr type="tMarg" refType="primFontSz" fact="0.21"/>
+                      <dgm:constr type="bMarg" refType="primFontSz" fact="0.21"/>
+                      <dgm:constr type="lMarg" refType="primFontSz" fact="0.315"/>
+                      <dgm:constr type="rMarg" refType="primFontSz" fact="0.105"/>
+                    </dgm:constrLst>
+                  </dgm:else>
+                </dgm:choose>
+              </dgm:if>
+              <dgm:else name="Name24">
+                <dgm:choose name="Name25">
+                  <dgm:if name="Name26" axis="self" ptType="node" func="pos" op="equ" val="1">
+                    <dgm:shape xmlns:r="http://schemas.openxmlformats.org/officeDocument/2006/relationships" rot="180" type="homePlate" r:blip="">
+                      <dgm:adjLst/>
+                    </dgm:shape>
+                    <dgm:constrLst>
+                      <dgm:constr type="h" refType="w" op="equ" fact="0.4"/>
+                      <dgm:constr type="primFontSz" val="65"/>
+                      <dgm:constr type="tMarg" refType="primFontSz" fact="0.21"/>
+                      <dgm:constr type="bMarg" refType="primFontSz" fact="0.21"/>
+                      <dgm:constr type="lMarg" refType="primFontSz" fact="0.105"/>
+                      <dgm:constr type="rMarg" refType="primFontSz" fact="0.42"/>
+                    </dgm:constrLst>
+                  </dgm:if>
+                  <dgm:else name="Name27">
+                    <dgm:shape xmlns:r="http://schemas.openxmlformats.org/officeDocument/2006/relationships" rot="180" type="chevron" r:blip="">
+                      <dgm:adjLst/>
+                    </dgm:shape>
+                    <dgm:constrLst>
+                      <dgm:constr type="h" refType="w" op="equ" fact="0.4"/>
+                      <dgm:constr type="primFontSz" val="65"/>
+                      <dgm:constr type="tMarg" refType="primFontSz" fact="0.21"/>
+                      <dgm:constr type="bMarg" refType="primFontSz" fact="0.21"/>
+                      <dgm:constr type="lMarg" refType="primFontSz" fact="0.105"/>
+                      <dgm:constr type="rMarg" refType="primFontSz" fact="0.315"/>
+                    </dgm:constrLst>
+                  </dgm:else>
+                </dgm:choose>
+              </dgm:else>
+            </dgm:choose>
+            <dgm:ruleLst>
+              <dgm:rule type="primFontSz" val="5" fact="NaN" max="NaN"/>
+            </dgm:ruleLst>
+          </dgm:layoutNode>
+          <dgm:forEach name="Name28" axis="followSib" ptType="sibTrans" cnt="1">
+            <dgm:layoutNode name="parSpace">
+              <dgm:alg type="sp"/>
+              <dgm:shape xmlns:r="http://schemas.openxmlformats.org/officeDocument/2006/relationships" r:blip="">
+                <dgm:adjLst/>
+              </dgm:shape>
+              <dgm:presOf/>
+              <dgm:constrLst/>
+              <dgm:ruleLst/>
+            </dgm:layoutNode>
+          </dgm:forEach>
+        </dgm:forEach>
+      </dgm:else>
+    </dgm:choose>
+  </dgm:layoutNode>
+</dgm:layoutDef>
+</file>
+
+<file path=ppt/diagrams/quickStyle1.xml><?xml version="1.0" encoding="utf-8"?>
+<dgm:styleDef xmlns:dgm="http://schemas.openxmlformats.org/drawingml/2006/diagram" xmlns:a="http://schemas.openxmlformats.org/drawingml/2006/main" uniqueId="urn:microsoft.com/office/officeart/2005/8/quickstyle/simple1">
+  <dgm:title val=""/>
+  <dgm:desc val=""/>
+  <dgm:catLst>
+    <dgm:cat type="simple" pri="10100"/>
+  </dgm:catLst>
+  <dgm:scene3d>
+    <a:camera prst="orthographicFront"/>
+    <a:lightRig rig="threePt" dir="t"/>
+  </dgm:scene3d>
+  <dgm:styleLbl name="node0">
+    <dgm:scene3d>
+      <a:camera prst="orthographicFront"/>
+      <a:lightRig rig="threePt" dir="t"/>
+    </dgm:scene3d>
+    <dgm:sp3d/>
+    <dgm:txPr/>
+    <dgm:style>
+      <a:lnRef idx="2">
+        <a:scrgbClr r="0" g="0" b="0"/>
+      </a:lnRef>
+      <a:fillRef idx="1">
+        <a:scrgbClr r="0" g="0" b="0"/>
+      </a:fillRef>
+      <a:effectRef idx="0">
+        <a:scrgbClr r="0" g="0" b="0"/>
+      </a:effectRef>
+      <a:fontRef idx="minor">
+        <a:schemeClr val="lt1"/>
+      </a:fontRef>
+    </dgm:style>
+  </dgm:styleLbl>
+  <dgm:styleLbl name="lnNode1">
+    <dgm:scene3d>
+      <a:camera prst="orthographicFront"/>
+      <a:lightRig rig="threePt" dir="t"/>
+    </dgm:scene3d>
+    <dgm:sp3d/>
+    <dgm:txPr/>
+    <dgm:style>
+      <a:lnRef idx="2">
+        <a:scrgbClr r="0" g="0" b="0"/>
+      </a:lnRef>
+      <a:fillRef idx="1">
+        <a:scrgbClr r="0" g="0" b="0"/>
+      </a:fillRef>
+      <a:effectRef idx="0">
+        <a:scrgbClr r="0" g="0" b="0"/>
+      </a:effectRef>
+      <a:fontRef idx="minor">
+        <a:schemeClr val="lt1"/>
+      </a:fontRef>
+    </dgm:style>
+  </dgm:styleLbl>
+  <dgm:styleLbl name="vennNode1">
+    <dgm:scene3d>
+      <a:camera prst="orthographicFront"/>
+      <a:lightRig rig="threePt" dir="t"/>
+    </dgm:scene3d>
+    <dgm:sp3d/>
+    <dgm:txPr/>
+    <dgm:style>
+      <a:lnRef idx="2">
+        <a:scrgbClr r="0" g="0" b="0"/>
+      </a:lnRef>
+      <a:fillRef idx="1">
+        <a:scrgbClr r="0" g="0" b="0"/>
+      </a:fillRef>
+      <a:effectRef idx="0">
+        <a:scrgbClr r="0" g="0" b="0"/>
+      </a:effectRef>
+      <a:fontRef idx="minor">
+        <a:schemeClr val="tx1"/>
+      </a:fontRef>
+    </dgm:style>
+  </dgm:styleLbl>
+  <dgm:styleLbl name="alignNode1">
+    <dgm:scene3d>
+      <a:camera prst="orthographicFront"/>
+      <a:lightRig rig="threePt" dir="t"/>
+    </dgm:scene3d>
+    <dgm:sp3d/>
+    <dgm:txPr/>
+    <dgm:style>
+      <a:lnRef idx="2">
+        <a:scrgbClr r="0" g="0" b="0"/>
+      </a:lnRef>
+      <a:fillRef idx="1">
+        <a:scrgbClr r="0" g="0" b="0"/>
+      </a:fillRef>
+      <a:effectRef idx="0">
+        <a:scrgbClr r="0" g="0" b="0"/>
+      </a:effectRef>
+      <a:fontRef idx="minor">
+        <a:schemeClr val="lt1"/>
+      </a:fontRef>
+    </dgm:style>
+  </dgm:styleLbl>
+  <dgm:styleLbl name="node1">
+    <dgm:scene3d>
+      <a:camera prst="orthographicFront"/>
+      <a:lightRig rig="threePt" dir="t"/>
+    </dgm:scene3d>
+    <dgm:sp3d/>
+    <dgm:txPr/>
+    <dgm:style>
+      <a:lnRef idx="2">
+        <a:scrgbClr r="0" g="0" b="0"/>
+      </a:lnRef>
+      <a:fillRef idx="1">
+        <a:scrgbClr r="0" g="0" b="0"/>
+      </a:fillRef>
+      <a:effectRef idx="0">
+        <a:scrgbClr r="0" g="0" b="0"/>
+      </a:effectRef>
+      <a:fontRef idx="minor">
+        <a:schemeClr val="lt1"/>
+      </a:fontRef>
+    </dgm:style>
+  </dgm:styleLbl>
+  <dgm:styleLbl name="node2">
+    <dgm:scene3d>
+      <a:camera prst="orthographicFront"/>
+      <a:lightRig rig="threePt" dir="t"/>
+    </dgm:scene3d>
+    <dgm:sp3d/>
+    <dgm:txPr/>
+    <dgm:style>
+      <a:lnRef idx="2">
+        <a:scrgbClr r="0" g="0" b="0"/>
+      </a:lnRef>
+      <a:fillRef idx="1">
+        <a:scrgbClr r="0" g="0" b="0"/>
+      </a:fillRef>
+      <a:effectRef idx="0">
+        <a:scrgbClr r="0" g="0" b="0"/>
+      </a:effectRef>
+      <a:fontRef idx="minor">
+        <a:schemeClr val="lt1"/>
+      </a:fontRef>
+    </dgm:style>
+  </dgm:styleLbl>
+  <dgm:styleLbl name="node3">
+    <dgm:scene3d>
+      <a:camera prst="orthographicFront"/>
+      <a:lightRig rig="threePt" dir="t"/>
+    </dgm:scene3d>
+    <dgm:sp3d/>
+    <dgm:txPr/>
+    <dgm:style>
+      <a:lnRef idx="2">
+        <a:scrgbClr r="0" g="0" b="0"/>
+      </a:lnRef>
+      <a:fillRef idx="1">
+        <a:scrgbClr r="0" g="0" b="0"/>
+      </a:fillRef>
+      <a:effectRef idx="0">
+        <a:scrgbClr r="0" g="0" b="0"/>
+      </a:effectRef>
+      <a:fontRef idx="minor">
+        <a:schemeClr val="lt1"/>
+      </a:fontRef>
+    </dgm:style>
+  </dgm:styleLbl>
+  <dgm:styleLbl name="node4">
+    <dgm:scene3d>
+      <a:camera prst="orthographicFront"/>
+      <a:lightRig rig="threePt" dir="t"/>
+    </dgm:scene3d>
+    <dgm:sp3d/>
+    <dgm:txPr/>
+    <dgm:style>
+      <a:lnRef idx="2">
+        <a:scrgbClr r="0" g="0" b="0"/>
+      </a:lnRef>
+      <a:fillRef idx="1">
+        <a:scrgbClr r="0" g="0" b="0"/>
+      </a:fillRef>
+      <a:effectRef idx="0">
+        <a:scrgbClr r="0" g="0" b="0"/>
+      </a:effectRef>
+      <a:fontRef idx="minor">
+        <a:schemeClr val="lt1"/>
+      </a:fontRef>
+    </dgm:style>
+  </dgm:styleLbl>
+  <dgm:styleLbl name="fgImgPlace1">
+    <dgm:scene3d>
+      <a:camera prst="orthographicFront"/>
+      <a:lightRig rig="threePt" dir="t"/>
+    </dgm:scene3d>
+    <dgm:sp3d/>
+    <dgm:txPr/>
+    <dgm:style>
+      <a:lnRef idx="2">
+        <a:scrgbClr r="0" g="0" b="0"/>
+      </a:lnRef>
+      <a:fillRef idx="1">
+        <a:scrgbClr r="0" g="0" b="0"/>
+      </a:fillRef>
+      <a:effectRef idx="0">
+        <a:scrgbClr r="0" g="0" b="0"/>
+      </a:effectRef>
+      <a:fontRef idx="minor"/>
+    </dgm:style>
+  </dgm:styleLbl>
+  <dgm:styleLbl name="alignImgPlace1">
+    <dgm:scene3d>
+      <a:camera prst="orthographicFront"/>
+      <a:lightRig rig="threePt" dir="t"/>
+    </dgm:scene3d>
+    <dgm:sp3d/>
+    <dgm:txPr/>
+    <dgm:style>
+      <a:lnRef idx="2">
+        <a:scrgbClr r="0" g="0" b="0"/>
+      </a:lnRef>
+      <a:fillRef idx="1">
+        <a:scrgbClr r="0" g="0" b="0"/>
+      </a:fillRef>
+      <a:effectRef idx="0">
+        <a:scrgbClr r="0" g="0" b="0"/>
+      </a:effectRef>
+      <a:fontRef idx="minor"/>
+    </dgm:style>
+  </dgm:styleLbl>
+  <dgm:styleLbl name="bgImgPlace1">
+    <dgm:scene3d>
+      <a:camera prst="orthographicFront"/>
+      <a:lightRig rig="threePt" dir="t"/>
+    </dgm:scene3d>
+    <dgm:sp3d/>
+    <dgm:txPr/>
+    <dgm:style>
+      <a:lnRef idx="2">
+        <a:scrgbClr r="0" g="0" b="0"/>
+      </a:lnRef>
+      <a:fillRef idx="1">
+        <a:scrgbClr r="0" g="0" b="0"/>
+      </a:fillRef>
+      <a:effectRef idx="0">
+        <a:scrgbClr r="0" g="0" b="0"/>
+      </a:effectRef>
+      <a:fontRef idx="minor"/>
+    </dgm:style>
+  </dgm:styleLbl>
+  <dgm:styleLbl name="sibTrans2D1">
+    <dgm:scene3d>
+      <a:camera prst="orthographicFront"/>
+      <a:lightRig rig="threePt" dir="t"/>
+    </dgm:scene3d>
+    <dgm:sp3d/>
+    <dgm:txPr/>
+    <dgm:style>
+      <a:lnRef idx="0">
+        <a:scrgbClr r="0" g="0" b="0"/>
+      </a:lnRef>
+      <a:fillRef idx="1">
+        <a:scrgbClr r="0" g="0" b="0"/>
+      </a:fillRef>
+      <a:effectRef idx="0">
+        <a:scrgbClr r="0" g="0" b="0"/>
+      </a:effectRef>
+      <a:fontRef idx="minor">
+        <a:schemeClr val="lt1"/>
+      </a:fontRef>
+    </dgm:style>
+  </dgm:styleLbl>
+  <dgm:styleLbl name="fgSibTrans2D1">
+    <dgm:scene3d>
+      <a:camera prst="orthographicFront"/>
+      <a:lightRig rig="threePt" dir="t"/>
+    </dgm:scene3d>
+    <dgm:sp3d/>
+    <dgm:txPr/>
+    <dgm:style>
+      <a:lnRef idx="0">
+        <a:scrgbClr r="0" g="0" b="0"/>
+      </a:lnRef>
+      <a:fillRef idx="1">
+        <a:scrgbClr r="0" g="0" b="0"/>
+      </a:fillRef>
+      <a:effectRef idx="0">
+        <a:scrgbClr r="0" g="0" b="0"/>
+      </a:effectRef>
+      <a:fontRef idx="minor">
+        <a:schemeClr val="lt1"/>
+      </a:fontRef>
+    </dgm:style>
+  </dgm:styleLbl>
+  <dgm:styleLbl name="bgSibTrans2D1">
+    <dgm:scene3d>
+      <a:camera prst="orthographicFront"/>
+      <a:lightRig rig="threePt" dir="t"/>
+    </dgm:scene3d>
+    <dgm:sp3d/>
+    <dgm:txPr/>
+    <dgm:style>
+      <a:lnRef idx="0">
+        <a:scrgbClr r="0" g="0" b="0"/>
+      </a:lnRef>
+      <a:fillRef idx="1">
+        <a:scrgbClr r="0" g="0" b="0"/>
+      </a:fillRef>
+      <a:effectRef idx="0">
+        <a:scrgbClr r="0" g="0" b="0"/>
+      </a:effectRef>
+      <a:fontRef idx="minor">
+        <a:schemeClr val="lt1"/>
+      </a:fontRef>
+    </dgm:style>
+  </dgm:styleLbl>
+  <dgm:styleLbl name="sibTrans1D1">
+    <dgm:scene3d>
+      <a:camera prst="orthographicFront"/>
+      <a:lightRig rig="threePt" dir="t"/>
+    </dgm:scene3d>
+    <dgm:sp3d/>
+    <dgm:txPr/>
+    <dgm:style>
+      <a:lnRef idx="1">
+        <a:scrgbClr r="0" g="0" b="0"/>
+      </a:lnRef>
+      <a:fillRef idx="0">
+        <a:scrgbClr r="0" g="0" b="0"/>
+      </a:fillRef>
+      <a:effectRef idx="0">
+        <a:scrgbClr r="0" g="0" b="0"/>
+      </a:effectRef>
+      <a:fontRef idx="minor"/>
+    </dgm:style>
+  </dgm:styleLbl>
+  <dgm:styleLbl name="callout">
+    <dgm:scene3d>
+      <a:camera prst="orthographicFront"/>
+      <a:lightRig rig="threePt" dir="t"/>
+    </dgm:scene3d>
+    <dgm:sp3d/>
+    <dgm:txPr/>
+    <dgm:style>
+      <a:lnRef idx="2">
+        <a:scrgbClr r="0" g="0" b="0"/>
+      </a:lnRef>
+      <a:fillRef idx="1">
+        <a:scrgbClr r="0" g="0" b="0"/>
+      </a:fillRef>
+      <a:effectRef idx="0">
+        <a:scrgbClr r="0" g="0" b="0"/>
+      </a:effectRef>
+      <a:fontRef idx="minor"/>
+    </dgm:style>
+  </dgm:styleLbl>
+  <dgm:styleLbl name="asst0">
+    <dgm:scene3d>
+      <a:camera prst="orthographicFront"/>
+      <a:lightRig rig="threePt" dir="t"/>
+    </dgm:scene3d>
+    <dgm:sp3d/>
+    <dgm:txPr/>
+    <dgm:style>
+      <a:lnRef idx="2">
+        <a:scrgbClr r="0" g="0" b="0"/>
+      </a:lnRef>
+      <a:fillRef idx="1">
+        <a:scrgbClr r="0" g="0" b="0"/>
+      </a:fillRef>
+      <a:effectRef idx="0">
+        <a:scrgbClr r="0" g="0" b="0"/>
+      </a:effectRef>
+      <a:fontRef idx="minor">
+        <a:schemeClr val="lt1"/>
+      </a:fontRef>
+    </dgm:style>
+  </dgm:styleLbl>
+  <dgm:styleLbl name="asst1">
+    <dgm:scene3d>
+      <a:camera prst="orthographicFront"/>
+      <a:lightRig rig="threePt" dir="t"/>
+    </dgm:scene3d>
+    <dgm:sp3d/>
+    <dgm:txPr/>
+    <dgm:style>
+      <a:lnRef idx="2">
+        <a:scrgbClr r="0" g="0" b="0"/>
+      </a:lnRef>
+      <a:fillRef idx="1">
+        <a:scrgbClr r="0" g="0" b="0"/>
+      </a:fillRef>
+      <a:effectRef idx="0">
+        <a:scrgbClr r="0" g="0" b="0"/>
+      </a:effectRef>
+      <a:fontRef idx="minor">
+        <a:schemeClr val="lt1"/>
+      </a:fontRef>
+    </dgm:style>
+  </dgm:styleLbl>
+  <dgm:styleLbl name="asst2">
+    <dgm:scene3d>
+      <a:camera prst="orthographicFront"/>
+      <a:lightRig rig="threePt" dir="t"/>
+    </dgm:scene3d>
+    <dgm:sp3d/>
+    <dgm:txPr/>
+    <dgm:style>
+      <a:lnRef idx="2">
+        <a:scrgbClr r="0" g="0" b="0"/>
+      </a:lnRef>
+      <a:fillRef idx="1">
+        <a:scrgbClr r="0" g="0" b="0"/>
+      </a:fillRef>
+      <a:effectRef idx="0">
+        <a:scrgbClr r="0" g="0" b="0"/>
+      </a:effectRef>
+      <a:fontRef idx="minor">
+        <a:schemeClr val="lt1"/>
+      </a:fontRef>
+    </dgm:style>
+  </dgm:styleLbl>
+  <dgm:styleLbl name="asst3">
+    <dgm:scene3d>
+      <a:camera prst="orthographicFront"/>
+      <a:lightRig rig="threePt" dir="t"/>
+    </dgm:scene3d>
+    <dgm:sp3d/>
+    <dgm:txPr/>
+    <dgm:style>
+      <a:lnRef idx="2">
+        <a:scrgbClr r="0" g="0" b="0"/>
+      </a:lnRef>
+      <a:fillRef idx="1">
+        <a:scrgbClr r="0" g="0" b="0"/>
+      </a:fillRef>
+      <a:effectRef idx="0">
+        <a:scrgbClr r="0" g="0" b="0"/>
+      </a:effectRef>
+      <a:fontRef idx="minor">
+        <a:schemeClr val="lt1"/>
+      </a:fontRef>
+    </dgm:style>
+  </dgm:styleLbl>
+  <dgm:styleLbl name="asst4">
+    <dgm:scene3d>
+      <a:camera prst="orthographicFront"/>
+      <a:lightRig rig="threePt" dir="t"/>
+    </dgm:scene3d>
+    <dgm:sp3d/>
+    <dgm:txPr/>
+    <dgm:style>
+      <a:lnRef idx="2">
+        <a:scrgbClr r="0" g="0" b="0"/>
+      </a:lnRef>
+      <a:fillRef idx="1">
+        <a:scrgbClr r="0" g="0" b="0"/>
+      </a:fillRef>
+      <a:effectRef idx="0">
+        <a:scrgbClr r="0" g="0" b="0"/>
+      </a:effectRef>
+      <a:fontRef idx="minor">
+        <a:schemeClr val="lt1"/>
+      </a:fontRef>
+    </dgm:style>
+  </dgm:styleLbl>
+  <dgm:styleLbl name="parChTrans2D1">
+    <dgm:scene3d>
+      <a:camera prst="orthographicFront"/>
+      <a:lightRig rig="threePt" dir="t"/>
+    </dgm:scene3d>
+    <dgm:sp3d/>
+    <dgm:txPr/>
+    <dgm:style>
+      <a:lnRef idx="2">
+        <a:scrgbClr r="0" g="0" b="0"/>
+      </a:lnRef>
+      <a:fillRef idx="1">
+        <a:scrgbClr r="0" g="0" b="0"/>
+      </a:fillRef>
+      <a:effectRef idx="0">
+        <a:scrgbClr r="0" g="0" b="0"/>
+      </a:effectRef>
+      <a:fontRef idx="minor">
+        <a:schemeClr val="lt1"/>
+      </a:fontRef>
+    </dgm:style>
+  </dgm:styleLbl>
+  <dgm:styleLbl name="parChTrans2D2">
+    <dgm:scene3d>
+      <a:camera prst="orthographicFront"/>
+      <a:lightRig rig="threePt" dir="t"/>
+    </dgm:scene3d>
+    <dgm:sp3d/>
+    <dgm:txPr/>
+    <dgm:style>
+      <a:lnRef idx="2">
+        <a:scrgbClr r="0" g="0" b="0"/>
+      </a:lnRef>
+      <a:fillRef idx="1">
+        <a:scrgbClr r="0" g="0" b="0"/>
+      </a:fillRef>
+      <a:effectRef idx="0">
+        <a:scrgbClr r="0" g="0" b="0"/>
+      </a:effectRef>
+      <a:fontRef idx="minor">
+        <a:schemeClr val="lt1"/>
+      </a:fontRef>
+    </dgm:style>
+  </dgm:styleLbl>
+  <dgm:styleLbl name="parChTrans2D3">
+    <dgm:scene3d>
+      <a:camera prst="orthographicFront"/>
+      <a:lightRig rig="threePt" dir="t"/>
+    </dgm:scene3d>
+    <dgm:sp3d/>
+    <dgm:txPr/>
+    <dgm:style>
+      <a:lnRef idx="2">
+        <a:scrgbClr r="0" g="0" b="0"/>
+      </a:lnRef>
+      <a:fillRef idx="1">
+        <a:scrgbClr r="0" g="0" b="0"/>
+      </a:fillRef>
+      <a:effectRef idx="0">
+        <a:scrgbClr r="0" g="0" b="0"/>
+      </a:effectRef>
+      <a:fontRef idx="minor">
+        <a:schemeClr val="lt1"/>
+      </a:fontRef>
+    </dgm:style>
+  </dgm:styleLbl>
+  <dgm:styleLbl name="parChTrans2D4">
+    <dgm:scene3d>
+      <a:camera prst="orthographicFront"/>
+      <a:lightRig rig="threePt" dir="t"/>
+    </dgm:scene3d>
+    <dgm:sp3d/>
+    <dgm:txPr/>
+    <dgm:style>
+      <a:lnRef idx="2">
+        <a:scrgbClr r="0" g="0" b="0"/>
+      </a:lnRef>
+      <a:fillRef idx="1">
+        <a:scrgbClr r="0" g="0" b="0"/>
+      </a:fillRef>
+      <a:effectRef idx="0">
+        <a:scrgbClr r="0" g="0" b="0"/>
+      </a:effectRef>
+      <a:fontRef idx="minor">
+        <a:schemeClr val="lt1"/>
+      </a:fontRef>
+    </dgm:style>
+  </dgm:styleLbl>
+  <dgm:styleLbl name="parChTrans1D1">
+    <dgm:scene3d>
+      <a:camera prst="orthographicFront"/>
+      <a:lightRig rig="threePt" dir="t"/>
+    </dgm:scene3d>
+    <dgm:sp3d/>
+    <dgm:txPr/>
+    <dgm:style>
+      <a:lnRef idx="2">
+        <a:scrgbClr r="0" g="0" b="0"/>
+      </a:lnRef>
+      <a:fillRef idx="0">
+        <a:scrgbClr r="0" g="0" b="0"/>
+      </a:fillRef>
+      <a:effectRef idx="0">
+        <a:scrgbClr r="0" g="0" b="0"/>
+      </a:effectRef>
+      <a:fontRef idx="minor"/>
+    </dgm:style>
+  </dgm:styleLbl>
+  <dgm:styleLbl name="parChTrans1D2">
+    <dgm:scene3d>
+      <a:camera prst="orthographicFront"/>
+      <a:lightRig rig="threePt" dir="t"/>
+    </dgm:scene3d>
+    <dgm:sp3d/>
+    <dgm:txPr/>
+    <dgm:style>
+      <a:lnRef idx="2">
+        <a:scrgbClr r="0" g="0" b="0"/>
+      </a:lnRef>
+      <a:fillRef idx="0">
+        <a:scrgbClr r="0" g="0" b="0"/>
+      </a:fillRef>
+      <a:effectRef idx="0">
+        <a:scrgbClr r="0" g="0" b="0"/>
+      </a:effectRef>
+      <a:fontRef idx="minor"/>
+    </dgm:style>
+  </dgm:styleLbl>
+  <dgm:styleLbl name="parChTrans1D3">
+    <dgm:scene3d>
+      <a:camera prst="orthographicFront"/>
+      <a:lightRig rig="threePt" dir="t"/>
+    </dgm:scene3d>
+    <dgm:sp3d/>
+    <dgm:txPr/>
+    <dgm:style>
+      <a:lnRef idx="2">
+        <a:scrgbClr r="0" g="0" b="0"/>
+      </a:lnRef>
+      <a:fillRef idx="0">
+        <a:scrgbClr r="0" g="0" b="0"/>
+      </a:fillRef>
+      <a:effectRef idx="0">
+        <a:scrgbClr r="0" g="0" b="0"/>
+      </a:effectRef>
+      <a:fontRef idx="minor"/>
+    </dgm:style>
+  </dgm:styleLbl>
+  <dgm:styleLbl name="parChTrans1D4">
+    <dgm:scene3d>
+      <a:camera prst="orthographicFront"/>
+      <a:lightRig rig="threePt" dir="t"/>
+    </dgm:scene3d>
+    <dgm:sp3d/>
+    <dgm:txPr/>
+    <dgm:style>
+      <a:lnRef idx="2">
+        <a:scrgbClr r="0" g="0" b="0"/>
+      </a:lnRef>
+      <a:fillRef idx="0">
+        <a:scrgbClr r="0" g="0" b="0"/>
+      </a:fillRef>
+      <a:effectRef idx="0">
+        <a:scrgbClr r="0" g="0" b="0"/>
+      </a:effectRef>
+      <a:fontRef idx="minor"/>
+    </dgm:style>
+  </dgm:styleLbl>
+  <dgm:styleLbl name="fgAcc1">
+    <dgm:scene3d>
+      <a:camera prst="orthographicFront"/>
+      <a:lightRig rig="threePt" dir="t"/>
+    </dgm:scene3d>
+    <dgm:sp3d/>
+    <dgm:txPr/>
+    <dgm:style>
+      <a:lnRef idx="2">
+        <a:scrgbClr r="0" g="0" b="0"/>
+      </a:lnRef>
+      <a:fillRef idx="1">
+        <a:scrgbClr r="0" g="0" b="0"/>
+      </a:fillRef>
+      <a:effectRef idx="0">
+        <a:scrgbClr r="0" g="0" b="0"/>
+      </a:effectRef>
+      <a:fontRef idx="minor"/>
+    </dgm:style>
+  </dgm:styleLbl>
+  <dgm:styleLbl name="conFgAcc1">
+    <dgm:scene3d>
+      <a:camera prst="orthographicFront"/>
+      <a:lightRig rig="threePt" dir="t"/>
+    </dgm:scene3d>
+    <dgm:sp3d/>
+    <dgm:txPr/>
+    <dgm:style>
+      <a:lnRef idx="2">
+        <a:scrgbClr r="0" g="0" b="0"/>
+      </a:lnRef>
+      <a:fillRef idx="1">
+        <a:scrgbClr r="0" g="0" b="0"/>
+      </a:fillRef>
+      <a:effectRef idx="0">
+        <a:scrgbClr r="0" g="0" b="0"/>
+      </a:effectRef>
+      <a:fontRef idx="minor"/>
+    </dgm:style>
+  </dgm:styleLbl>
+  <dgm:styleLbl name="alignAcc1">
+    <dgm:scene3d>
+      <a:camera prst="orthographicFront"/>
+      <a:lightRig rig="threePt" dir="t"/>
+    </dgm:scene3d>
+    <dgm:sp3d/>
+    <dgm:txPr/>
+    <dgm:style>
+      <a:lnRef idx="2">
+        <a:scrgbClr r="0" g="0" b="0"/>
+      </a:lnRef>
+      <a:fillRef idx="1">
+        <a:scrgbClr r="0" g="0" b="0"/>
+      </a:fillRef>
+      <a:effectRef idx="0">
+        <a:scrgbClr r="0" g="0" b="0"/>
+      </a:effectRef>
+      <a:fontRef idx="minor"/>
+    </dgm:style>
+  </dgm:styleLbl>
+  <dgm:styleLbl name="trAlignAcc1">
+    <dgm:scene3d>
+      <a:camera prst="orthographicFront"/>
+      <a:lightRig rig="threePt" dir="t"/>
+    </dgm:scene3d>
+    <dgm:sp3d/>
+    <dgm:txPr/>
+    <dgm:style>
+      <a:lnRef idx="1">
+        <a:scrgbClr r="0" g="0" b="0"/>
+      </a:lnRef>
+      <a:fillRef idx="1">
+        <a:scrgbClr r="0" g="0" b="0"/>
+      </a:fillRef>
+      <a:effectRef idx="0">
+        <a:scrgbClr r="0" g="0" b="0"/>
+      </a:effectRef>
+      <a:fontRef idx="minor"/>
+    </dgm:style>
+  </dgm:styleLbl>
+  <dgm:styleLbl name="bgAcc1">
+    <dgm:scene3d>
+      <a:camera prst="orthographicFront"/>
+      <a:lightRig rig="threePt" dir="t"/>
+    </dgm:scene3d>
+    <dgm:sp3d/>
+    <dgm:txPr/>
+    <dgm:style>
+      <a:lnRef idx="2">
+        <a:scrgbClr r="0" g="0" b="0"/>
+      </a:lnRef>
+      <a:fillRef idx="1">
+        <a:scrgbClr r="0" g="0" b="0"/>
+      </a:fillRef>
+      <a:effectRef idx="0">
+        <a:scrgbClr r="0" g="0" b="0"/>
+      </a:effectRef>
+      <a:fontRef idx="minor"/>
+    </dgm:style>
+  </dgm:styleLbl>
+  <dgm:styleLbl name="solidFgAcc1">
+    <dgm:scene3d>
+      <a:camera prst="orthographicFront"/>
+      <a:lightRig rig="threePt" dir="t"/>
+    </dgm:scene3d>
+    <dgm:sp3d/>
+    <dgm:txPr/>
+    <dgm:style>
+      <a:lnRef idx="2">
+        <a:scrgbClr r="0" g="0" b="0"/>
+      </a:lnRef>
+      <a:fillRef idx="1">
+        <a:scrgbClr r="0" g="0" b="0"/>
+      </a:fillRef>
+      <a:effectRef idx="0">
+        <a:scrgbClr r="0" g="0" b="0"/>
+      </a:effectRef>
+      <a:fontRef idx="minor"/>
+    </dgm:style>
+  </dgm:styleLbl>
+  <dgm:styleLbl name="solidAlignAcc1">
+    <dgm:scene3d>
+      <a:camera prst="orthographicFront"/>
+      <a:lightRig rig="threePt" dir="t"/>
+    </dgm:scene3d>
+    <dgm:sp3d/>
+    <dgm:txPr/>
+    <dgm:style>
+      <a:lnRef idx="2">
+        <a:scrgbClr r="0" g="0" b="0"/>
+      </a:lnRef>
+      <a:fillRef idx="1">
+        <a:scrgbClr r="0" g="0" b="0"/>
+      </a:fillRef>
+      <a:effectRef idx="0">
+        <a:scrgbClr r="0" g="0" b="0"/>
+      </a:effectRef>
+      <a:fontRef idx="minor"/>
+    </dgm:style>
+  </dgm:styleLbl>
+  <dgm:styleLbl name="solidBgAcc1">
+    <dgm:scene3d>
+      <a:camera prst="orthographicFront"/>
+      <a:lightRig rig="threePt" dir="t"/>
+    </dgm:scene3d>
+    <dgm:sp3d/>
+    <dgm:txPr/>
+    <dgm:style>
+      <a:lnRef idx="2">
+        <a:scrgbClr r="0" g="0" b="0"/>
+      </a:lnRef>
+      <a:fillRef idx="1">
+        <a:scrgbClr r="0" g="0" b="0"/>
+      </a:fillRef>
+      <a:effectRef idx="0">
+        <a:scrgbClr r="0" g="0" b="0"/>
+      </a:effectRef>
+      <a:fontRef idx="minor"/>
+    </dgm:style>
+  </dgm:styleLbl>
+  <dgm:styleLbl name="fgAccFollowNode1">
+    <dgm:scene3d>
+      <a:camera prst="orthographicFront"/>
+      <a:lightRig rig="threePt" dir="t"/>
+    </dgm:scene3d>
+    <dgm:sp3d/>
+    <dgm:txPr/>
+    <dgm:style>
+      <a:lnRef idx="2">
+        <a:scrgbClr r="0" g="0" b="0"/>
+      </a:lnRef>
+      <a:fillRef idx="1">
+        <a:scrgbClr r="0" g="0" b="0"/>
+      </a:fillRef>
+      <a:effectRef idx="0">
+        <a:scrgbClr r="0" g="0" b="0"/>
+      </a:effectRef>
+      <a:fontRef idx="minor"/>
+    </dgm:style>
+  </dgm:styleLbl>
+  <dgm:styleLbl name="alignAccFollowNode1">
+    <dgm:scene3d>
+      <a:camera prst="orthographicFront"/>
+      <a:lightRig rig="threePt" dir="t"/>
+    </dgm:scene3d>
+    <dgm:sp3d/>
+    <dgm:txPr/>
+    <dgm:style>
+      <a:lnRef idx="2">
+        <a:scrgbClr r="0" g="0" b="0"/>
+      </a:lnRef>
+      <a:fillRef idx="1">
+        <a:scrgbClr r="0" g="0" b="0"/>
+      </a:fillRef>
+      <a:effectRef idx="0">
+        <a:scrgbClr r="0" g="0" b="0"/>
+      </a:effectRef>
+      <a:fontRef idx="minor"/>
+    </dgm:style>
+  </dgm:styleLbl>
+  <dgm:styleLbl name="bgAccFollowNode1">
+    <dgm:scene3d>
+      <a:camera prst="orthographicFront"/>
+      <a:lightRig rig="threePt" dir="t"/>
+    </dgm:scene3d>
+    <dgm:sp3d/>
+    <dgm:txPr/>
+    <dgm:style>
+      <a:lnRef idx="2">
+        <a:scrgbClr r="0" g="0" b="0"/>
+      </a:lnRef>
+      <a:fillRef idx="1">
+        <a:scrgbClr r="0" g="0" b="0"/>
+      </a:fillRef>
+      <a:effectRef idx="0">
+        <a:scrgbClr r="0" g="0" b="0"/>
+      </a:effectRef>
+      <a:fontRef idx="minor"/>
+    </dgm:style>
+  </dgm:styleLbl>
+  <dgm:styleLbl name="fgAcc0">
+    <dgm:scene3d>
+      <a:camera prst="orthographicFront"/>
+      <a:lightRig rig="threePt" dir="t"/>
+    </dgm:scene3d>
+    <dgm:sp3d/>
+    <dgm:txPr/>
+    <dgm:style>
+      <a:lnRef idx="2">
+        <a:scrgbClr r="0" g="0" b="0"/>
+      </a:lnRef>
+      <a:fillRef idx="1">
+        <a:scrgbClr r="0" g="0" b="0"/>
+      </a:fillRef>
+      <a:effectRef idx="0">
+        <a:scrgbClr r="0" g="0" b="0"/>
+      </a:effectRef>
+      <a:fontRef idx="minor"/>
+    </dgm:style>
+  </dgm:styleLbl>
+  <dgm:styleLbl name="fgAcc2">
+    <dgm:scene3d>
+      <a:camera prst="orthographicFront"/>
+      <a:lightRig rig="threePt" dir="t"/>
+    </dgm:scene3d>
+    <dgm:sp3d/>
+    <dgm:txPr/>
+    <dgm:style>
+      <a:lnRef idx="2">
+        <a:scrgbClr r="0" g="0" b="0"/>
+      </a:lnRef>
+      <a:fillRef idx="1">
+        <a:scrgbClr r="0" g="0" b="0"/>
+      </a:fillRef>
+      <a:effectRef idx="0">
+        <a:scrgbClr r="0" g="0" b="0"/>
+      </a:effectRef>
+      <a:fontRef idx="minor"/>
+    </dgm:style>
+  </dgm:styleLbl>
+  <dgm:styleLbl name="fgAcc3">
+    <dgm:scene3d>
+      <a:camera prst="orthographicFront"/>
+      <a:lightRig rig="threePt" dir="t"/>
+    </dgm:scene3d>
+    <dgm:sp3d/>
+    <dgm:txPr/>
+    <dgm:style>
+      <a:lnRef idx="2">
+        <a:scrgbClr r="0" g="0" b="0"/>
+      </a:lnRef>
+      <a:fillRef idx="1">
+        <a:scrgbClr r="0" g="0" b="0"/>
+      </a:fillRef>
+      <a:effectRef idx="0">
+        <a:scrgbClr r="0" g="0" b="0"/>
+      </a:effectRef>
+      <a:fontRef idx="minor"/>
+    </dgm:style>
+  </dgm:styleLbl>
+  <dgm:styleLbl name="fgAcc4">
+    <dgm:scene3d>
+      <a:camera prst="orthographicFront"/>
+      <a:lightRig rig="threePt" dir="t"/>
+    </dgm:scene3d>
+    <dgm:sp3d/>
+    <dgm:txPr/>
+    <dgm:style>
+      <a:lnRef idx="2">
+        <a:scrgbClr r="0" g="0" b="0"/>
+      </a:lnRef>
+      <a:fillRef idx="1">
+        <a:scrgbClr r="0" g="0" b="0"/>
+      </a:fillRef>
+      <a:effectRef idx="0">
+        <a:scrgbClr r="0" g="0" b="0"/>
+      </a:effectRef>
+      <a:fontRef idx="minor"/>
+    </dgm:style>
+  </dgm:styleLbl>
+  <dgm:styleLbl name="bgShp">
+    <dgm:scene3d>
+      <a:camera prst="orthographicFront"/>
+      <a:lightRig rig="threePt" dir="t"/>
+    </dgm:scene3d>
+    <dgm:sp3d/>
+    <dgm:txPr/>
+    <dgm:style>
+      <a:lnRef idx="0">
+        <a:scrgbClr r="0" g="0" b="0"/>
+      </a:lnRef>
+      <a:fillRef idx="1">
+        <a:scrgbClr r="0" g="0" b="0"/>
+      </a:fillRef>
+      <a:effectRef idx="0">
+        <a:scrgbClr r="0" g="0" b="0"/>
+      </a:effectRef>
+      <a:fontRef idx="minor"/>
+    </dgm:style>
+  </dgm:styleLbl>
+  <dgm:styleLbl name="dkBgShp">
+    <dgm:scene3d>
+      <a:camera prst="orthographicFront"/>
+      <a:lightRig rig="threePt" dir="t"/>
+    </dgm:scene3d>
+    <dgm:sp3d/>
+    <dgm:txPr/>
+    <dgm:style>
+      <a:lnRef idx="0">
+        <a:scrgbClr r="0" g="0" b="0"/>
+      </a:lnRef>
+      <a:fillRef idx="1">
+        <a:scrgbClr r="0" g="0" b="0"/>
+      </a:fillRef>
+      <a:effectRef idx="0">
+        <a:scrgbClr r="0" g="0" b="0"/>
+      </a:effectRef>
+      <a:fontRef idx="minor"/>
+    </dgm:style>
+  </dgm:styleLbl>
+  <dgm:styleLbl name="trBgShp">
+    <dgm:scene3d>
+      <a:camera prst="orthographicFront"/>
+      <a:lightRig rig="threePt" dir="t"/>
+    </dgm:scene3d>
+    <dgm:sp3d/>
+    <dgm:txPr/>
+    <dgm:style>
+      <a:lnRef idx="0">
+        <a:scrgbClr r="0" g="0" b="0"/>
+      </a:lnRef>
+      <a:fillRef idx="1">
+        <a:scrgbClr r="0" g="0" b="0"/>
+      </a:fillRef>
+      <a:effectRef idx="0">
+        <a:scrgbClr r="0" g="0" b="0"/>
+      </a:effectRef>
+      <a:fontRef idx="minor"/>
+    </dgm:style>
+  </dgm:styleLbl>
+  <dgm:styleLbl name="fgShp">
+    <dgm:scene3d>
+      <a:camera prst="orthographicFront"/>
+      <a:lightRig rig="threePt" dir="t"/>
+    </dgm:scene3d>
+    <dgm:sp3d/>
+    <dgm:txPr/>
+    <dgm:style>
+      <a:lnRef idx="2">
+        <a:scrgbClr r="0" g="0" b="0"/>
+      </a:lnRef>
+      <a:fillRef idx="1">
+        <a:scrgbClr r="0" g="0" b="0"/>
+      </a:fillRef>
+      <a:effectRef idx="0">
+        <a:scrgbClr r="0" g="0" b="0"/>
+      </a:effectRef>
+      <a:fontRef idx="minor"/>
+    </dgm:style>
+  </dgm:styleLbl>
+  <dgm:styleLbl name="revTx">
+    <dgm:scene3d>
+      <a:camera prst="orthographicFront"/>
+      <a:lightRig rig="threePt" dir="t"/>
+    </dgm:scene3d>
+    <dgm:sp3d/>
+    <dgm:txPr/>
+    <dgm:style>
+      <a:lnRef idx="0">
+        <a:scrgbClr r="0" g="0" b="0"/>
+      </a:lnRef>
+      <a:fillRef idx="0">
+        <a:scrgbClr r="0" g="0" b="0"/>
+      </a:fillRef>
+      <a:effectRef idx="0">
+        <a:scrgbClr r="0" g="0" b="0"/>
+      </a:effectRef>
+      <a:fontRef idx="minor"/>
+    </dgm:style>
+  </dgm:styleLbl>
+</dgm:styleDef>
+</file>
+
 <file path=ppt/notesMasters/notesMaster1.xml><?xml version="1.0" encoding="utf-8"?>
 <p:notesMaster xmlns:a="http://schemas.openxmlformats.org/drawingml/2006/main" xmlns:r="http://schemas.openxmlformats.org/officeDocument/2006/relationships" xmlns:p="http://schemas.openxmlformats.org/presentationml/2006/main">
   <p:cSld>
@@ -197,7 +2811,7 @@
           <a:p>
             <a:fld id="{4892045E-7EFE-4DAB-BDF8-4B2476C952E6}" type="datetimeFigureOut">
               <a:rPr lang="LID4096" smtClean="0"/>
-              <a:t>03/25/2025</a:t>
+              <a:t>03/26/2025</a:t>
             </a:fld>
             <a:endParaRPr lang="LID4096"/>
           </a:p>
@@ -680,9 +3294,9 @@
           <a:p>
             <a:fld id="{3A675787-DA3F-4332-A401-8C5831ED470E}" type="datetimeFigureOut">
               <a:rPr lang="en-US" smtClean="0"/>
-              <a:t>3/25/2025</a:t>
+              <a:t>3/26/2025</a:t>
             </a:fld>
-            <a:endParaRPr lang="en-US"/>
+            <a:endParaRPr lang="en-US" dirty="0"/>
           </a:p>
         </p:txBody>
       </p:sp>
@@ -701,7 +3315,7 @@
           <a:bodyPr/>
           <a:lstStyle/>
           <a:p>
-            <a:endParaRPr lang="en-US"/>
+            <a:endParaRPr lang="en-US" dirty="0"/>
           </a:p>
         </p:txBody>
       </p:sp>
@@ -724,7 +3338,7 @@
               <a:rPr lang="en-US" smtClean="0"/>
               <a:t>‹Nr.›</a:t>
             </a:fld>
-            <a:endParaRPr lang="en-US"/>
+            <a:endParaRPr lang="en-US" dirty="0"/>
           </a:p>
         </p:txBody>
       </p:sp>
@@ -850,9 +3464,9 @@
           <a:p>
             <a:fld id="{3A675787-DA3F-4332-A401-8C5831ED470E}" type="datetimeFigureOut">
               <a:rPr lang="en-US" smtClean="0"/>
-              <a:t>3/25/2025</a:t>
+              <a:t>3/26/2025</a:t>
             </a:fld>
-            <a:endParaRPr lang="en-US"/>
+            <a:endParaRPr lang="en-US" dirty="0"/>
           </a:p>
         </p:txBody>
       </p:sp>
@@ -871,7 +3485,7 @@
           <a:bodyPr/>
           <a:lstStyle/>
           <a:p>
-            <a:endParaRPr lang="en-US"/>
+            <a:endParaRPr lang="en-US" dirty="0"/>
           </a:p>
         </p:txBody>
       </p:sp>
@@ -894,7 +3508,7 @@
               <a:rPr lang="en-US" smtClean="0"/>
               <a:t>‹Nr.›</a:t>
             </a:fld>
-            <a:endParaRPr lang="en-US"/>
+            <a:endParaRPr lang="en-US" dirty="0"/>
           </a:p>
         </p:txBody>
       </p:sp>
@@ -1030,9 +3644,9 @@
           <a:p>
             <a:fld id="{3A675787-DA3F-4332-A401-8C5831ED470E}" type="datetimeFigureOut">
               <a:rPr lang="en-US" smtClean="0"/>
-              <a:t>3/25/2025</a:t>
+              <a:t>3/26/2025</a:t>
             </a:fld>
-            <a:endParaRPr lang="en-US"/>
+            <a:endParaRPr lang="en-US" dirty="0"/>
           </a:p>
         </p:txBody>
       </p:sp>
@@ -1051,7 +3665,7 @@
           <a:bodyPr/>
           <a:lstStyle/>
           <a:p>
-            <a:endParaRPr lang="en-US"/>
+            <a:endParaRPr lang="en-US" dirty="0"/>
           </a:p>
         </p:txBody>
       </p:sp>
@@ -1074,7 +3688,7 @@
               <a:rPr lang="en-US" smtClean="0"/>
               <a:t>‹Nr.›</a:t>
             </a:fld>
-            <a:endParaRPr lang="en-US"/>
+            <a:endParaRPr lang="en-US" dirty="0"/>
           </a:p>
         </p:txBody>
       </p:sp>
@@ -1200,9 +3814,9 @@
           <a:p>
             <a:fld id="{3A675787-DA3F-4332-A401-8C5831ED470E}" type="datetimeFigureOut">
               <a:rPr lang="en-US" smtClean="0"/>
-              <a:t>3/25/2025</a:t>
+              <a:t>3/26/2025</a:t>
             </a:fld>
-            <a:endParaRPr lang="en-US"/>
+            <a:endParaRPr lang="en-US" dirty="0"/>
           </a:p>
         </p:txBody>
       </p:sp>
@@ -1221,7 +3835,7 @@
           <a:bodyPr/>
           <a:lstStyle/>
           <a:p>
-            <a:endParaRPr lang="en-US"/>
+            <a:endParaRPr lang="en-US" dirty="0"/>
           </a:p>
         </p:txBody>
       </p:sp>
@@ -1244,7 +3858,7 @@
               <a:rPr lang="en-US" smtClean="0"/>
               <a:t>‹Nr.›</a:t>
             </a:fld>
-            <a:endParaRPr lang="en-US"/>
+            <a:endParaRPr lang="en-US" dirty="0"/>
           </a:p>
         </p:txBody>
       </p:sp>
@@ -1444,9 +4058,9 @@
           <a:p>
             <a:fld id="{3A675787-DA3F-4332-A401-8C5831ED470E}" type="datetimeFigureOut">
               <a:rPr lang="en-US" smtClean="0"/>
-              <a:t>3/25/2025</a:t>
+              <a:t>3/26/2025</a:t>
             </a:fld>
-            <a:endParaRPr lang="en-US"/>
+            <a:endParaRPr lang="en-US" dirty="0"/>
           </a:p>
         </p:txBody>
       </p:sp>
@@ -1465,7 +4079,7 @@
           <a:bodyPr/>
           <a:lstStyle/>
           <a:p>
-            <a:endParaRPr lang="en-US"/>
+            <a:endParaRPr lang="en-US" dirty="0"/>
           </a:p>
         </p:txBody>
       </p:sp>
@@ -1488,7 +4102,7 @@
               <a:rPr lang="en-US" smtClean="0"/>
               <a:t>‹Nr.›</a:t>
             </a:fld>
-            <a:endParaRPr lang="en-US"/>
+            <a:endParaRPr lang="en-US" dirty="0"/>
           </a:p>
         </p:txBody>
       </p:sp>
@@ -1676,9 +4290,9 @@
           <a:p>
             <a:fld id="{3A675787-DA3F-4332-A401-8C5831ED470E}" type="datetimeFigureOut">
               <a:rPr lang="en-US" smtClean="0"/>
-              <a:t>3/25/2025</a:t>
+              <a:t>3/26/2025</a:t>
             </a:fld>
-            <a:endParaRPr lang="en-US"/>
+            <a:endParaRPr lang="en-US" dirty="0"/>
           </a:p>
         </p:txBody>
       </p:sp>
@@ -1697,7 +4311,7 @@
           <a:bodyPr/>
           <a:lstStyle/>
           <a:p>
-            <a:endParaRPr lang="en-US"/>
+            <a:endParaRPr lang="en-US" dirty="0"/>
           </a:p>
         </p:txBody>
       </p:sp>
@@ -1720,7 +4334,7 @@
               <a:rPr lang="en-US" smtClean="0"/>
               <a:t>‹Nr.›</a:t>
             </a:fld>
-            <a:endParaRPr lang="en-US"/>
+            <a:endParaRPr lang="en-US" dirty="0"/>
           </a:p>
         </p:txBody>
       </p:sp>
@@ -2043,9 +4657,9 @@
           <a:p>
             <a:fld id="{3A675787-DA3F-4332-A401-8C5831ED470E}" type="datetimeFigureOut">
               <a:rPr lang="en-US" smtClean="0"/>
-              <a:t>3/25/2025</a:t>
+              <a:t>3/26/2025</a:t>
             </a:fld>
-            <a:endParaRPr lang="en-US"/>
+            <a:endParaRPr lang="en-US" dirty="0"/>
           </a:p>
         </p:txBody>
       </p:sp>
@@ -2064,7 +4678,7 @@
           <a:bodyPr/>
           <a:lstStyle/>
           <a:p>
-            <a:endParaRPr lang="en-US"/>
+            <a:endParaRPr lang="en-US" dirty="0"/>
           </a:p>
         </p:txBody>
       </p:sp>
@@ -2087,7 +4701,7 @@
               <a:rPr lang="en-US" smtClean="0"/>
               <a:t>‹Nr.›</a:t>
             </a:fld>
-            <a:endParaRPr lang="en-US"/>
+            <a:endParaRPr lang="en-US" dirty="0"/>
           </a:p>
         </p:txBody>
       </p:sp>
@@ -2161,9 +4775,9 @@
           <a:p>
             <a:fld id="{3A675787-DA3F-4332-A401-8C5831ED470E}" type="datetimeFigureOut">
               <a:rPr lang="en-US" smtClean="0"/>
-              <a:t>3/25/2025</a:t>
+              <a:t>3/26/2025</a:t>
             </a:fld>
-            <a:endParaRPr lang="en-US"/>
+            <a:endParaRPr lang="en-US" dirty="0"/>
           </a:p>
         </p:txBody>
       </p:sp>
@@ -2182,7 +4796,7 @@
           <a:bodyPr/>
           <a:lstStyle/>
           <a:p>
-            <a:endParaRPr lang="en-US"/>
+            <a:endParaRPr lang="en-US" dirty="0"/>
           </a:p>
         </p:txBody>
       </p:sp>
@@ -2205,7 +4819,7 @@
               <a:rPr lang="en-US" smtClean="0"/>
               <a:t>‹Nr.›</a:t>
             </a:fld>
-            <a:endParaRPr lang="en-US"/>
+            <a:endParaRPr lang="en-US" dirty="0"/>
           </a:p>
         </p:txBody>
       </p:sp>
@@ -2256,9 +4870,9 @@
           <a:p>
             <a:fld id="{3A675787-DA3F-4332-A401-8C5831ED470E}" type="datetimeFigureOut">
               <a:rPr lang="en-US" smtClean="0"/>
-              <a:t>3/25/2025</a:t>
+              <a:t>3/26/2025</a:t>
             </a:fld>
-            <a:endParaRPr lang="en-US"/>
+            <a:endParaRPr lang="en-US" dirty="0"/>
           </a:p>
         </p:txBody>
       </p:sp>
@@ -2277,7 +4891,7 @@
           <a:bodyPr/>
           <a:lstStyle/>
           <a:p>
-            <a:endParaRPr lang="en-US"/>
+            <a:endParaRPr lang="en-US" dirty="0"/>
           </a:p>
         </p:txBody>
       </p:sp>
@@ -2300,7 +4914,7 @@
               <a:rPr lang="en-US" smtClean="0"/>
               <a:t>‹Nr.›</a:t>
             </a:fld>
-            <a:endParaRPr lang="en-US"/>
+            <a:endParaRPr lang="en-US" dirty="0"/>
           </a:p>
         </p:txBody>
       </p:sp>
@@ -2533,9 +5147,9 @@
           <a:p>
             <a:fld id="{3A675787-DA3F-4332-A401-8C5831ED470E}" type="datetimeFigureOut">
               <a:rPr lang="en-US" smtClean="0"/>
-              <a:t>3/25/2025</a:t>
+              <a:t>3/26/2025</a:t>
             </a:fld>
-            <a:endParaRPr lang="en-US"/>
+            <a:endParaRPr lang="en-US" dirty="0"/>
           </a:p>
         </p:txBody>
       </p:sp>
@@ -2554,7 +5168,7 @@
           <a:bodyPr/>
           <a:lstStyle/>
           <a:p>
-            <a:endParaRPr lang="en-US"/>
+            <a:endParaRPr lang="en-US" dirty="0"/>
           </a:p>
         </p:txBody>
       </p:sp>
@@ -2577,7 +5191,7 @@
               <a:rPr lang="en-US" smtClean="0"/>
               <a:t>‹Nr.›</a:t>
             </a:fld>
-            <a:endParaRPr lang="en-US"/>
+            <a:endParaRPr lang="en-US" dirty="0"/>
           </a:p>
         </p:txBody>
       </p:sp>
@@ -2701,10 +5315,9 @@
           </a:lstStyle>
           <a:p>
             <a:r>
-              <a:rPr lang="en-US"/>
+              <a:rPr lang="en-US" dirty="0"/>
               <a:t>Click icon to add picture</a:t>
             </a:r>
-            <a:endParaRPr lang="en-US" dirty="0"/>
           </a:p>
         </p:txBody>
       </p:sp>
@@ -2790,9 +5403,9 @@
           <a:p>
             <a:fld id="{3A675787-DA3F-4332-A401-8C5831ED470E}" type="datetimeFigureOut">
               <a:rPr lang="en-US" smtClean="0"/>
-              <a:t>3/25/2025</a:t>
+              <a:t>3/26/2025</a:t>
             </a:fld>
-            <a:endParaRPr lang="en-US"/>
+            <a:endParaRPr lang="en-US" dirty="0"/>
           </a:p>
         </p:txBody>
       </p:sp>
@@ -2811,7 +5424,7 @@
           <a:bodyPr/>
           <a:lstStyle/>
           <a:p>
-            <a:endParaRPr lang="en-US"/>
+            <a:endParaRPr lang="en-US" dirty="0"/>
           </a:p>
         </p:txBody>
       </p:sp>
@@ -2834,7 +5447,7 @@
               <a:rPr lang="en-US" smtClean="0"/>
               <a:t>‹Nr.›</a:t>
             </a:fld>
-            <a:endParaRPr lang="en-US"/>
+            <a:endParaRPr lang="en-US" dirty="0"/>
           </a:p>
         </p:txBody>
       </p:sp>
@@ -3003,9 +5616,9 @@
           <a:p>
             <a:fld id="{3A675787-DA3F-4332-A401-8C5831ED470E}" type="datetimeFigureOut">
               <a:rPr lang="en-US" smtClean="0"/>
-              <a:t>3/25/2025</a:t>
+              <a:t>3/26/2025</a:t>
             </a:fld>
-            <a:endParaRPr lang="en-US"/>
+            <a:endParaRPr lang="en-US" dirty="0"/>
           </a:p>
         </p:txBody>
       </p:sp>
@@ -3042,7 +5655,7 @@
             </a:lvl1pPr>
           </a:lstStyle>
           <a:p>
-            <a:endParaRPr lang="en-US"/>
+            <a:endParaRPr lang="en-US" dirty="0"/>
           </a:p>
         </p:txBody>
       </p:sp>
@@ -3083,7 +5696,7 @@
               <a:rPr lang="en-US" smtClean="0"/>
               <a:t>‹Nr.›</a:t>
             </a:fld>
-            <a:endParaRPr lang="en-US"/>
+            <a:endParaRPr lang="en-US" dirty="0"/>
           </a:p>
         </p:txBody>
       </p:sp>
@@ -3438,7 +6051,7 @@
         </p:nvCxnSpPr>
         <p:spPr>
           <a:xfrm>
-            <a:off x="15133637" y="3013081"/>
+            <a:off x="15133637" y="3927477"/>
             <a:ext cx="0" cy="31546800"/>
           </a:xfrm>
           <a:prstGeom prst="line">
@@ -3479,8 +6092,8 @@
         </p:nvSpPr>
         <p:spPr>
           <a:xfrm>
-            <a:off x="993600" y="457200"/>
-            <a:ext cx="20151900" cy="2092881"/>
+            <a:off x="993600" y="293915"/>
+            <a:ext cx="20151900" cy="2492990"/>
           </a:xfrm>
           <a:prstGeom prst="rect">
             <a:avLst/>
@@ -3494,7 +6107,7 @@
           <a:lstStyle/>
           <a:p>
             <a:r>
-              <a:rPr lang="en-US" sz="8000" b="1" dirty="0">
+              <a:rPr lang="en-US" sz="9600" b="1" dirty="0">
                 <a:solidFill>
                   <a:schemeClr val="bg1"/>
                 </a:solidFill>
@@ -3504,14 +6117,14 @@
           </a:p>
           <a:p>
             <a:r>
-              <a:rPr lang="en-US" sz="5000" b="1" dirty="0">
+              <a:rPr lang="en-US" sz="6000" b="1" dirty="0">
                 <a:solidFill>
                   <a:schemeClr val="bg1"/>
                 </a:solidFill>
               </a:rPr>
               <a:t>Emilie Terhaar, Sara Rolfs, Tyra Kausch</a:t>
             </a:r>
-            <a:endParaRPr lang="en-US" sz="5000" b="1" noProof="0" dirty="0">
+            <a:endParaRPr lang="en-US" sz="6000" b="1" noProof="0" dirty="0">
               <a:solidFill>
                 <a:schemeClr val="bg1"/>
               </a:solidFill>
@@ -3534,7 +6147,7 @@
         <p:spPr>
           <a:xfrm>
             <a:off x="330324" y="3319883"/>
-            <a:ext cx="4121790" cy="707886"/>
+            <a:ext cx="4121790" cy="923330"/>
           </a:xfrm>
           <a:prstGeom prst="rect">
             <a:avLst/>
@@ -3548,14 +6161,14 @@
           <a:lstStyle/>
           <a:p>
             <a:r>
-              <a:rPr lang="tr-TR" sz="4000" dirty="0">
+              <a:rPr lang="tr-TR" sz="5400" dirty="0">
                 <a:solidFill>
                   <a:srgbClr val="9B0A7D"/>
                 </a:solidFill>
               </a:rPr>
               <a:t>Introduction</a:t>
             </a:r>
-            <a:endParaRPr lang="en-US" sz="4000" dirty="0">
+            <a:endParaRPr lang="en-US" sz="5400" dirty="0">
               <a:solidFill>
                 <a:srgbClr val="9B0A7D"/>
               </a:solidFill>
@@ -3577,8 +6190,8 @@
         </p:nvSpPr>
         <p:spPr>
           <a:xfrm>
-            <a:off x="400763" y="5920925"/>
-            <a:ext cx="2849452" cy="707886"/>
+            <a:off x="400763" y="6149524"/>
+            <a:ext cx="2849452" cy="923330"/>
           </a:xfrm>
           <a:prstGeom prst="rect">
             <a:avLst/>
@@ -3592,14 +6205,14 @@
           <a:lstStyle/>
           <a:p>
             <a:r>
-              <a:rPr lang="tr-TR" sz="4000" dirty="0">
+              <a:rPr lang="tr-TR" sz="5400" dirty="0">
                 <a:solidFill>
                   <a:srgbClr val="9B0A7D"/>
                 </a:solidFill>
               </a:rPr>
               <a:t>Method</a:t>
             </a:r>
-            <a:endParaRPr lang="en-US" sz="4000" dirty="0">
+            <a:endParaRPr lang="en-US" sz="5400" dirty="0">
               <a:solidFill>
                 <a:srgbClr val="9B0A7D"/>
               </a:solidFill>
@@ -3621,7 +6234,7 @@
         </p:nvSpPr>
         <p:spPr>
           <a:xfrm>
-            <a:off x="345251" y="4076783"/>
+            <a:off x="345251" y="4274879"/>
             <a:ext cx="13869655" cy="1815882"/>
           </a:xfrm>
           <a:prstGeom prst="rect">
@@ -3643,85 +6256,9 @@
                 </a:solidFill>
                 <a:effectLst/>
               </a:rPr>
-              <a:t>This project dives into the world of darts using data science techniques to uncover fascinating insights. It aims to transform raw data into structured datasets suitable for visualization and analysis. The goal is to answer predefined research questions by gathering data from multiple sources, processing it, and generating analytical datasets.</a:t>
+              <a:t>This project dives into the game darts using data science techniques. It aims to transform raw data into structured datasets suitable for visualization and analysis. The goal is to answer predefined research questions by gathering data from multiple sources, processing it, and generating analytical datasets.</a:t>
             </a:r>
             <a:endParaRPr lang="en-US" sz="2800" dirty="0"/>
-          </a:p>
-        </p:txBody>
-      </p:sp>
-      <p:sp>
-        <p:nvSpPr>
-          <p:cNvPr id="13" name="TextBox 12">
-            <a:extLst>
-              <a:ext uri="{FF2B5EF4-FFF2-40B4-BE49-F238E27FC236}">
-                <a16:creationId xmlns:a16="http://schemas.microsoft.com/office/drawing/2014/main" id="{CAD1F969-B5D1-7AB9-F03F-8C847A83CE31}"/>
-              </a:ext>
-            </a:extLst>
-          </p:cNvPr>
-          <p:cNvSpPr txBox="1"/>
-          <p:nvPr/>
-        </p:nvSpPr>
-        <p:spPr>
-          <a:xfrm>
-            <a:off x="400762" y="6666741"/>
-            <a:ext cx="13869651" cy="3539430"/>
-          </a:xfrm>
-          <a:prstGeom prst="rect">
-            <a:avLst/>
-          </a:prstGeom>
-          <a:noFill/>
-        </p:spPr>
-        <p:txBody>
-          <a:bodyPr wrap="square" rtlCol="0">
-            <a:spAutoFit/>
-          </a:bodyPr>
-          <a:lstStyle/>
-          <a:p>
-            <a:pPr algn="just"/>
-            <a:r>
-              <a:rPr lang="en-US" sz="2800" noProof="0" dirty="0"/>
-              <a:t>The research questions – of which a few are represented on this poster – were formulated </a:t>
-            </a:r>
-            <a:r>
-              <a:rPr lang="en-US" sz="2800" dirty="0"/>
-              <a:t>while looking ahead at available data sources. </a:t>
-            </a:r>
-            <a:r>
-              <a:rPr lang="en-GB" sz="2800" b="0" i="0" dirty="0">
-                <a:solidFill>
-                  <a:srgbClr val="31333F"/>
-                </a:solidFill>
-                <a:effectLst/>
-              </a:rPr>
-              <a:t>Web scraping scripts were then developed and executed to </a:t>
-            </a:r>
-            <a:r>
-              <a:rPr lang="en-GB" sz="2800" dirty="0">
-                <a:solidFill>
-                  <a:srgbClr val="31333F"/>
-                </a:solidFill>
-              </a:rPr>
-              <a:t>extract structured data. This data consisted of player statistics, match results, and other relevant information. The extracted data was validated, cleaned, and stored in organized CSV files. In the next step, datasets were transformed to ensure correctness and consistency, addressing any missing values or errors manually. The final datasets were then analysed and visualized using appropriate graphical representations, forming the basis for answering the research </a:t>
-            </a:r>
-            <a:r>
-              <a:rPr lang="en-GB" sz="2800" b="0" i="0" dirty="0">
-                <a:solidFill>
-                  <a:srgbClr val="31333F"/>
-                </a:solidFill>
-                <a:effectLst/>
-              </a:rPr>
-              <a:t>questions</a:t>
-            </a:r>
-            <a:r>
-              <a:rPr lang="de-DE" sz="2800" b="0" i="0" dirty="0">
-                <a:solidFill>
-                  <a:srgbClr val="31333F"/>
-                </a:solidFill>
-                <a:effectLst/>
-              </a:rPr>
-              <a:t>.</a:t>
-            </a:r>
-            <a:endParaRPr lang="en-US" sz="2800" noProof="0" dirty="0"/>
           </a:p>
         </p:txBody>
       </p:sp>
@@ -3739,8 +6276,8 @@
         </p:nvSpPr>
         <p:spPr>
           <a:xfrm>
-            <a:off x="400762" y="10293729"/>
-            <a:ext cx="2459119" cy="707886"/>
+            <a:off x="342844" y="9264616"/>
+            <a:ext cx="2459119" cy="923330"/>
           </a:xfrm>
           <a:prstGeom prst="rect">
             <a:avLst/>
@@ -3754,7 +6291,7 @@
           <a:lstStyle/>
           <a:p>
             <a:r>
-              <a:rPr lang="en-US" sz="4000" noProof="0" dirty="0">
+              <a:rPr lang="en-US" sz="5400" noProof="0" dirty="0">
                 <a:solidFill>
                   <a:srgbClr val="9B0A7D"/>
                 </a:solidFill>
@@ -3778,8 +6315,8 @@
         </p:nvSpPr>
         <p:spPr>
           <a:xfrm>
-            <a:off x="345252" y="15339912"/>
-            <a:ext cx="13839798" cy="646331"/>
+            <a:off x="330324" y="14836831"/>
+            <a:ext cx="13839798" cy="830997"/>
           </a:xfrm>
           <a:prstGeom prst="rect">
             <a:avLst/>
@@ -3793,7 +6330,7 @@
           <a:lstStyle/>
           <a:p>
             <a:r>
-              <a:rPr lang="en-GB" sz="3600" dirty="0">
+              <a:rPr lang="en-GB" sz="4800" dirty="0">
                 <a:solidFill>
                   <a:srgbClr val="9B0A7D"/>
                 </a:solidFill>
@@ -3817,8 +6354,8 @@
         </p:nvSpPr>
         <p:spPr>
           <a:xfrm>
-            <a:off x="345251" y="26536350"/>
-            <a:ext cx="13717978" cy="646331"/>
+            <a:off x="385836" y="25748433"/>
+            <a:ext cx="13717978" cy="1569660"/>
           </a:xfrm>
           <a:prstGeom prst="rect">
             <a:avLst/>
@@ -3832,14 +6369,14 @@
           <a:lstStyle/>
           <a:p>
             <a:r>
-              <a:rPr lang="en-GB" sz="3600" dirty="0">
+              <a:rPr lang="en-GB" sz="4800" dirty="0">
                 <a:solidFill>
                   <a:srgbClr val="9B0A7D"/>
                 </a:solidFill>
               </a:rPr>
               <a:t>How does the price money and number of participants vary over time?</a:t>
             </a:r>
-            <a:endParaRPr lang="en-US" sz="3600" dirty="0">
+            <a:endParaRPr lang="en-US" sz="4800" dirty="0">
               <a:solidFill>
                 <a:srgbClr val="9B0A7D"/>
               </a:solidFill>
@@ -3862,7 +6399,7 @@
         <p:spPr>
           <a:xfrm>
             <a:off x="15577790" y="3342616"/>
-            <a:ext cx="13695885" cy="1200329"/>
+            <a:ext cx="13695885" cy="1569660"/>
           </a:xfrm>
           <a:prstGeom prst="rect">
             <a:avLst/>
@@ -3876,14 +6413,14 @@
           <a:lstStyle/>
           <a:p>
             <a:r>
-              <a:rPr lang="en-GB" sz="3600" dirty="0">
+              <a:rPr lang="en-GB" sz="4800" dirty="0">
                 <a:solidFill>
                   <a:srgbClr val="9B0A7D"/>
                 </a:solidFill>
               </a:rPr>
               <a:t>What are most popular double fields and their corresponding check out quotes?</a:t>
             </a:r>
-            <a:endParaRPr lang="en-US" sz="3600" dirty="0">
+            <a:endParaRPr lang="en-US" sz="4800" dirty="0">
               <a:solidFill>
                 <a:srgbClr val="9B0A7D"/>
               </a:solidFill>
@@ -3948,8 +6485,8 @@
         </p:nvSpPr>
         <p:spPr>
           <a:xfrm>
-            <a:off x="15577782" y="13026352"/>
-            <a:ext cx="13695877" cy="646331"/>
+            <a:off x="15558517" y="13207021"/>
+            <a:ext cx="13695877" cy="830997"/>
           </a:xfrm>
           <a:prstGeom prst="rect">
             <a:avLst/>
@@ -3963,14 +6500,14 @@
           <a:lstStyle/>
           <a:p>
             <a:r>
-              <a:rPr lang="en-GB" sz="3600" dirty="0">
+              <a:rPr lang="en-GB" sz="4800" dirty="0">
                 <a:solidFill>
                   <a:srgbClr val="9B0A7D"/>
                 </a:solidFill>
               </a:rPr>
-              <a:t>How does nationality effect the rankings?</a:t>
-            </a:r>
-            <a:endParaRPr lang="en-US" sz="3600" dirty="0">
+              <a:t>How does the player’s nationality effect the rankings?</a:t>
+            </a:r>
+            <a:endParaRPr lang="en-US" sz="4800" dirty="0">
               <a:solidFill>
                 <a:srgbClr val="9B0A7D"/>
               </a:solidFill>
@@ -3992,8 +6529,8 @@
         </p:nvSpPr>
         <p:spPr>
           <a:xfrm>
-            <a:off x="952068" y="36759520"/>
-            <a:ext cx="2772747" cy="707886"/>
+            <a:off x="952068" y="36596235"/>
+            <a:ext cx="3294492" cy="830997"/>
           </a:xfrm>
           <a:prstGeom prst="rect">
             <a:avLst/>
@@ -4007,13 +6544,18 @@
           <a:lstStyle/>
           <a:p>
             <a:r>
-              <a:rPr lang="en-US" sz="4000" noProof="0" dirty="0">
+              <a:rPr lang="en-US" sz="4800" noProof="0" dirty="0">
                 <a:solidFill>
                   <a:srgbClr val="9B0A7D"/>
                 </a:solidFill>
               </a:rPr>
               <a:t>Bibliography</a:t>
             </a:r>
+            <a:endParaRPr lang="en-US" sz="4000" noProof="0" dirty="0">
+              <a:solidFill>
+                <a:srgbClr val="9B0A7D"/>
+              </a:solidFill>
+            </a:endParaRPr>
           </a:p>
         </p:txBody>
       </p:sp>
@@ -4097,8 +6639,8 @@
         </p:nvSpPr>
         <p:spPr>
           <a:xfrm>
-            <a:off x="24358775" y="38175567"/>
-            <a:ext cx="4914900" cy="3792088"/>
+            <a:off x="24827023" y="38175567"/>
+            <a:ext cx="3997842" cy="3792088"/>
           </a:xfrm>
           <a:prstGeom prst="rect">
             <a:avLst/>
@@ -4155,8 +6697,8 @@
         </p:nvSpPr>
         <p:spPr>
           <a:xfrm>
-            <a:off x="15577782" y="24533278"/>
-            <a:ext cx="13717975" cy="646331"/>
+            <a:off x="15643809" y="24067767"/>
+            <a:ext cx="13717975" cy="1569660"/>
           </a:xfrm>
           <a:prstGeom prst="rect">
             <a:avLst/>
@@ -4170,14 +6712,14 @@
           <a:lstStyle/>
           <a:p>
             <a:r>
-              <a:rPr lang="en-GB" sz="3600" dirty="0">
+              <a:rPr lang="en-GB" sz="4800" dirty="0">
                 <a:solidFill>
                   <a:srgbClr val="9B0A7D"/>
                 </a:solidFill>
               </a:rPr>
               <a:t>How does the performance of individual players change over time?</a:t>
             </a:r>
-            <a:endParaRPr lang="en-US" sz="3600" dirty="0">
+            <a:endParaRPr lang="en-US" sz="4800" dirty="0">
               <a:solidFill>
                 <a:srgbClr val="9B0A7D"/>
               </a:solidFill>
@@ -4234,8 +6776,8 @@
         </p:nvSpPr>
         <p:spPr>
           <a:xfrm>
-            <a:off x="345256" y="27229649"/>
-            <a:ext cx="13869650" cy="2677656"/>
+            <a:off x="385836" y="27463376"/>
+            <a:ext cx="13869650" cy="1815882"/>
           </a:xfrm>
           <a:prstGeom prst="rect">
             <a:avLst/>
@@ -4251,11 +6793,11 @@
             <a:pPr algn="just"/>
             <a:r>
               <a:rPr lang="en-GB" sz="2800" noProof="0" dirty="0"/>
-              <a:t>For this question, only the  data for the PDC World Championship was analysed. In this graph, the prize money</a:t>
+              <a:t>In this graph, the prize money</a:t>
             </a:r>
             <a:r>
               <a:rPr lang="en-GB" sz="2800" dirty="0"/>
-              <a:t> and number of participants is rising. The coloured stacked bars indicate prize allocation by tournament stage, while the red line shows the increasing participant numbers. There's a clear correlation between participant numbers and prize money: Major increases in participants typically coincided with significant prize money increases. The graphs show that while the total prize pool has increased, the distribution maintains a similar structure.</a:t>
+              <a:t> and number of participants are rising. There's a clear correlation: Major increases in participants typically coincide with significant prize money increases. The graphs show that while the total prize pool has increased, the distribution maintains a similar structure.</a:t>
             </a:r>
             <a:endParaRPr lang="LID4096" sz="2800" dirty="0"/>
           </a:p>
@@ -4275,8 +6817,8 @@
         </p:nvSpPr>
         <p:spPr>
           <a:xfrm>
-            <a:off x="15577782" y="13730881"/>
-            <a:ext cx="13717975" cy="3539430"/>
+            <a:off x="15562624" y="14329954"/>
+            <a:ext cx="13717975" cy="2677656"/>
           </a:xfrm>
           <a:prstGeom prst="rect">
             <a:avLst/>
@@ -4292,22 +6834,14 @@
             <a:pPr algn="just"/>
             <a:r>
               <a:rPr lang="en-GB" sz="2800" noProof="0" dirty="0"/>
-              <a:t>The graph below shows the player's nationality demographics related to their rankings. The bigger the bubble, the more players belong to that demographic. As we seen, there are a lot of English players which are also very high ranked, suggesting that the sport might be better developed there.</a:t>
+              <a:t>The bigger the bubble, the more players belong to that nationality. As seen, there are a lot of English players who are also very highly ranked, suggesting that the sport might be better developed there.</a:t>
             </a:r>
           </a:p>
           <a:p>
             <a:pPr algn="just"/>
             <a:r>
               <a:rPr lang="en-GB" sz="2800" noProof="0" dirty="0"/>
-              <a:t>It is also seen that there is one player in the Netherlands (Michael van Gerwen) which dominated the darts for a few years and is now </a:t>
-            </a:r>
-            <a:r>
-              <a:rPr lang="en-GB" sz="2800" dirty="0"/>
-              <a:t>also</a:t>
-            </a:r>
-            <a:r>
-              <a:rPr lang="en-GB" sz="2800" noProof="0" dirty="0"/>
-              <a:t> on a high-ranking position. Other countries like Germany, Japan, and Australia have representation, but their players are less frequent and frequent lower ranks.</a:t>
+              <a:t>There is one player in the Netherlands (Michael van Gerwen) who dominated darts for a few years and is now on a high-ranking position. Other countries like Germany, Japan, and Australia have representation, but their players are less frequent and frequent lower ranks.</a:t>
             </a:r>
           </a:p>
         </p:txBody>
@@ -4326,8 +6860,8 @@
         </p:nvSpPr>
         <p:spPr>
           <a:xfrm>
-            <a:off x="15577781" y="25179609"/>
-            <a:ext cx="13810951" cy="3108543"/>
+            <a:off x="15550833" y="25860766"/>
+            <a:ext cx="13810951" cy="1815882"/>
           </a:xfrm>
           <a:prstGeom prst="rect">
             <a:avLst/>
@@ -4343,7 +6877,7 @@
             <a:pPr algn="just"/>
             <a:r>
               <a:rPr lang="en-GB" sz="2800" noProof="0" dirty="0"/>
-              <a:t>The graphs below shows the player Rob Cross’ performance </a:t>
+              <a:t>The graph below shows Rob Cross’ number of throws and check out percentages for the D1 </a:t>
             </a:r>
             <a:r>
               <a:rPr lang="en-GB" sz="2800" dirty="0"/>
@@ -4351,7 +6885,39 @@
             </a:r>
             <a:r>
               <a:rPr lang="en-GB" sz="2800" noProof="0" dirty="0"/>
-              <a:t> 2017 to 2024. On the left is the number of throws and check out percentage respective of the double 1. This player is a good example of the phenomenon, where their check out percentage drops and therefore the number of throws on this double drops in a time-shifted manner, too. This is because the player noticed that this double field does not work that well for them, so they adjust their throws so that they didn't always end up with the previously bad double at the end of a leg anymore. On the right is the gradual average of Rob Cross.</a:t>
+              <a:t> 2017 to 2024. This </a:t>
+            </a:r>
+            <a:r>
+              <a:rPr lang="en-GB" sz="2800" dirty="0"/>
+              <a:t>displays the </a:t>
+            </a:r>
+            <a:r>
+              <a:rPr lang="en-GB" sz="2800" noProof="0" dirty="0"/>
+              <a:t>phenomenon, where </a:t>
+            </a:r>
+            <a:r>
+              <a:rPr lang="en-GB" sz="2800" dirty="0"/>
+              <a:t>a </a:t>
+            </a:r>
+            <a:r>
+              <a:rPr lang="en-GB" sz="2800" noProof="0" dirty="0"/>
+              <a:t>check out percentage drops and the number of throws on this double follows in a time-shifted manner. This implies that the player noticed that this double does not work that well for </a:t>
+            </a:r>
+            <a:r>
+              <a:rPr lang="en-GB" sz="2800" dirty="0"/>
+              <a:t>him</a:t>
+            </a:r>
+            <a:r>
+              <a:rPr lang="en-GB" sz="2800" noProof="0" dirty="0"/>
+              <a:t>, so </a:t>
+            </a:r>
+            <a:r>
+              <a:rPr lang="en-GB" sz="2800" dirty="0"/>
+              <a:t>he</a:t>
+            </a:r>
+            <a:r>
+              <a:rPr lang="en-GB" sz="2800" noProof="0" dirty="0"/>
+              <a:t> adjusts his throws.</a:t>
             </a:r>
           </a:p>
         </p:txBody>
@@ -4370,8 +6936,8 @@
         </p:nvSpPr>
         <p:spPr>
           <a:xfrm>
-            <a:off x="15577789" y="4536708"/>
-            <a:ext cx="13695881" cy="3539430"/>
+            <a:off x="15577779" y="4997005"/>
+            <a:ext cx="13695881" cy="2677656"/>
           </a:xfrm>
           <a:prstGeom prst="rect">
             <a:avLst/>
@@ -4391,14 +6957,55 @@
             </a:r>
             <a:r>
               <a:rPr lang="en-GB" sz="2800" noProof="0" dirty="0"/>
-              <a:t> leg ends by hitting a double field, called a check out. With these come the statistics of the check out percentage. Other than in the check outs, doubles are usually not targeted. In this context, the distribution of throws on the different double fields was analysed.</a:t>
-            </a:r>
+              <a:t> leg ends by hitting a double field, called a check out. These create the statistic of check out percentages. Other than in the check outs, doubles are usually not targeted.</a:t>
+            </a:r>
+            <a:endParaRPr lang="en-GB" sz="2800" dirty="0"/>
           </a:p>
           <a:p>
             <a:pPr algn="just"/>
             <a:r>
               <a:rPr lang="en-GB" sz="2800" noProof="0" dirty="0"/>
-              <a:t>The upper pie chart shows that D20, D16, D10, and D8 are the most popular double fields. This makes sense, since if a throw on D20 or D16 fails, the player can target the double field with the value half as big as D10 or D8 to finish the leg with a check out. This can also be seen in the lower chart, where the most player's frequently thrown double field is the D20 for 71.1% and the D16 for 20.1%.</a:t>
+              <a:t>The </a:t>
+            </a:r>
+            <a:r>
+              <a:rPr lang="en-GB" sz="2800" dirty="0"/>
+              <a:t>left</a:t>
+            </a:r>
+            <a:r>
+              <a:rPr lang="en-GB" sz="2800" noProof="0" dirty="0"/>
+              <a:t> pie chart shows that D20, D16, D10, and D8 are the most popular double fields. This makes sense, since if a throw on D20 or D16 fails, the player can target the double field with half the value to finish the leg. This can also be seen in the </a:t>
+            </a:r>
+            <a:r>
+              <a:rPr lang="en-GB" sz="2800" dirty="0"/>
+              <a:t>right</a:t>
+            </a:r>
+            <a:r>
+              <a:rPr lang="en-GB" sz="2800" noProof="0" dirty="0"/>
+              <a:t> chart, where most </a:t>
+            </a:r>
+            <a:r>
+              <a:rPr lang="en-GB" sz="2800" dirty="0"/>
+              <a:t>player’s most </a:t>
+            </a:r>
+            <a:r>
+              <a:rPr lang="en-GB" sz="2800" noProof="0" dirty="0"/>
+              <a:t>frequently thrown double is the D20 </a:t>
+            </a:r>
+            <a:r>
+              <a:rPr lang="en-GB" sz="2800" dirty="0"/>
+              <a:t>with</a:t>
+            </a:r>
+            <a:r>
+              <a:rPr lang="en-GB" sz="2800" noProof="0" dirty="0"/>
+              <a:t> 71.1% and the D16 </a:t>
+            </a:r>
+            <a:r>
+              <a:rPr lang="en-GB" sz="2800" dirty="0"/>
+              <a:t>with</a:t>
+            </a:r>
+            <a:r>
+              <a:rPr lang="en-GB" sz="2800" noProof="0" dirty="0"/>
+              <a:t> 20.1%.</a:t>
             </a:r>
           </a:p>
         </p:txBody>
@@ -4417,8 +7024,8 @@
         </p:nvSpPr>
         <p:spPr>
           <a:xfrm>
-            <a:off x="345251" y="16035985"/>
-            <a:ext cx="13940086" cy="3970318"/>
+            <a:off x="385836" y="15780517"/>
+            <a:ext cx="13940086" cy="3108543"/>
           </a:xfrm>
           <a:prstGeom prst="rect">
             <a:avLst/>
@@ -4434,15 +7041,23 @@
             <a:pPr algn="just"/>
             <a:r>
               <a:rPr lang="en-GB" sz="2800" noProof="0" dirty="0"/>
-              <a:t>This question was asked, assuming that over time, the sport </a:t>
+              <a:t>For this, it was </a:t>
             </a:r>
             <a:r>
               <a:rPr lang="en-GB" sz="2800" dirty="0"/>
-              <a:t>have</a:t>
+              <a:t>assumed that </a:t>
             </a:r>
             <a:r>
               <a:rPr lang="en-GB" sz="2800" noProof="0" dirty="0"/>
-              <a:t> reached a higher maturity level. Meaning the standards for the skill of players participating in the tournaments will rise with better strategies and better coaching. In this diagram, only the averages of the tournament's winners between 2000 and 2025 were looked at.</a:t>
+              <a:t>the sport </a:t>
+            </a:r>
+            <a:r>
+              <a:rPr lang="en-GB" sz="2800" dirty="0"/>
+              <a:t>has</a:t>
+            </a:r>
+            <a:r>
+              <a:rPr lang="en-GB" sz="2800" noProof="0" dirty="0"/>
+              <a:t> reached a higher maturity level. Meaning the skill of players participating has become better with strategies and coaching. In this diagram, only the winners were looked at.</a:t>
             </a:r>
             <a:endParaRPr lang="en-GB" sz="2800" dirty="0"/>
           </a:p>
@@ -4450,15 +7065,23 @@
             <a:pPr algn="just"/>
             <a:r>
               <a:rPr lang="en-GB" sz="2800" noProof="0" dirty="0"/>
-              <a:t>The World Championship scores demonstrate greater volatility, with notable peaks around 2010 and 2017-2018 where </a:t>
+              <a:t>The World Championship shows greater volatility with peaks around 2010 and 2017/2018 where the average was above</a:t>
             </a:r>
             <a:r>
               <a:rPr lang="en-GB" sz="2800" dirty="0"/>
-              <a:t>an average of 106</a:t>
+              <a:t> 106</a:t>
             </a:r>
             <a:r>
               <a:rPr lang="en-GB" sz="2800" noProof="0" dirty="0"/>
-              <a:t> exceeded. All lines generally show an upward trend over time, which could also be seen because of the increasing regression line. The average scores generally range between 94 and 105. This validates the assumption the research came into existence with.</a:t>
+              <a:t>. All lines generally go up, which </a:t>
+            </a:r>
+            <a:r>
+              <a:rPr lang="en-GB" sz="2800" dirty="0"/>
+              <a:t>can</a:t>
+            </a:r>
+            <a:r>
+              <a:rPr lang="en-GB" sz="2800" noProof="0" dirty="0"/>
+              <a:t> be seen in the upward tilted regression line. The average scores seem to range between 94 and 105. This validates the assumption that the sport has matured.</a:t>
             </a:r>
           </a:p>
         </p:txBody>
@@ -4485,157 +7108,13 @@
               </a:ext>
             </a:extLst>
           </a:blip>
-          <a:stretch>
-            <a:fillRect/>
-          </a:stretch>
-        </p:blipFill>
-        <p:spPr>
-          <a:xfrm>
-            <a:off x="15577781" y="8058802"/>
-            <a:ext cx="13695879" cy="4868837"/>
-          </a:xfrm>
-          <a:prstGeom prst="rect">
-            <a:avLst/>
-          </a:prstGeom>
-        </p:spPr>
-      </p:pic>
-      <p:sp>
-        <p:nvSpPr>
-          <p:cNvPr id="19" name="TextBox 11">
-            <a:extLst>
-              <a:ext uri="{FF2B5EF4-FFF2-40B4-BE49-F238E27FC236}">
-                <a16:creationId xmlns:a16="http://schemas.microsoft.com/office/drawing/2014/main" id="{192578EF-F9AF-6473-80A5-228C699551E6}"/>
-              </a:ext>
-            </a:extLst>
-          </p:cNvPr>
-          <p:cNvSpPr txBox="1"/>
-          <p:nvPr/>
-        </p:nvSpPr>
-        <p:spPr>
-          <a:xfrm>
-            <a:off x="400765" y="12171854"/>
-            <a:ext cx="5812464" cy="3108543"/>
-          </a:xfrm>
-          <a:prstGeom prst="rect">
-            <a:avLst/>
-          </a:prstGeom>
-          <a:noFill/>
-        </p:spPr>
-        <p:txBody>
-          <a:bodyPr wrap="square" rtlCol="0">
-            <a:spAutoFit/>
-          </a:bodyPr>
-          <a:lstStyle/>
-          <a:p>
-            <a:pPr algn="just"/>
-            <a:r>
-              <a:rPr lang="en-US" sz="2800" dirty="0">
-                <a:solidFill>
-                  <a:srgbClr val="31333F"/>
-                </a:solidFill>
-              </a:rPr>
-              <a:t>There is a big discrepancy of tournaments held in the United Kingdom and Germany in comparison to the other countries. This shows that there is a much bigger influence on darts in Europe than in the rest of the world.</a:t>
-            </a:r>
-          </a:p>
-        </p:txBody>
-      </p:sp>
-      <p:sp>
-        <p:nvSpPr>
-          <p:cNvPr id="20" name="TextBox 14">
-            <a:extLst>
-              <a:ext uri="{FF2B5EF4-FFF2-40B4-BE49-F238E27FC236}">
-                <a16:creationId xmlns:a16="http://schemas.microsoft.com/office/drawing/2014/main" id="{F71A404E-7EBB-6320-25EB-062964C1496E}"/>
-              </a:ext>
-            </a:extLst>
-          </p:cNvPr>
-          <p:cNvSpPr txBox="1"/>
-          <p:nvPr/>
-        </p:nvSpPr>
-        <p:spPr>
-          <a:xfrm>
-            <a:off x="391687" y="11089173"/>
-            <a:ext cx="6618713" cy="1044581"/>
-          </a:xfrm>
-          <a:prstGeom prst="rect">
-            <a:avLst/>
-          </a:prstGeom>
-          <a:noFill/>
-        </p:spPr>
-        <p:txBody>
-          <a:bodyPr wrap="square" rtlCol="0">
-            <a:spAutoFit/>
-          </a:bodyPr>
-          <a:lstStyle/>
-          <a:p>
-            <a:pPr>
-              <a:lnSpc>
-                <a:spcPts val="3700"/>
-              </a:lnSpc>
-            </a:pPr>
-            <a:r>
-              <a:rPr lang="en-GB" sz="3600">
-                <a:solidFill>
-                  <a:srgbClr val="9B0A7D"/>
-                </a:solidFill>
-              </a:rPr>
-              <a:t>How are </a:t>
-            </a:r>
-            <a:r>
-              <a:rPr lang="en-GB" sz="3600" dirty="0">
-                <a:solidFill>
-                  <a:srgbClr val="9B0A7D"/>
-                </a:solidFill>
-              </a:rPr>
-              <a:t>the </a:t>
-            </a:r>
-            <a:r>
-              <a:rPr lang="en-GB" sz="3600">
-                <a:solidFill>
-                  <a:srgbClr val="9B0A7D"/>
-                </a:solidFill>
-              </a:rPr>
-              <a:t>tournament’s locations </a:t>
-            </a:r>
-            <a:r>
-              <a:rPr lang="en-GB" sz="3600" dirty="0">
-                <a:solidFill>
-                  <a:srgbClr val="9B0A7D"/>
-                </a:solidFill>
-              </a:rPr>
-              <a:t>distributed?</a:t>
-            </a:r>
-          </a:p>
-        </p:txBody>
-      </p:sp>
-      <p:pic>
-        <p:nvPicPr>
-          <p:cNvPr id="21" name="Grafik 20" descr="Ein Bild, das Karte, Text, Atlas enthält.&#10;&#10;KI-generierte Inhalte können fehlerhaft sein.">
-            <a:extLst>
-              <a:ext uri="{FF2B5EF4-FFF2-40B4-BE49-F238E27FC236}">
-                <a16:creationId xmlns:a16="http://schemas.microsoft.com/office/drawing/2014/main" id="{D1FDCB20-C572-F873-8B2D-2A9972CFEFC4}"/>
-              </a:ext>
-            </a:extLst>
-          </p:cNvPr>
-          <p:cNvPicPr>
-            <a:picLocks noChangeAspect="1"/>
-          </p:cNvPicPr>
-          <p:nvPr/>
-        </p:nvPicPr>
-        <p:blipFill>
-          <a:blip r:embed="rId6">
-            <a:extLst>
-              <a:ext uri="{28A0092B-C50C-407E-A947-70E740481C1C}">
-                <a14:useLocalDpi xmlns:a14="http://schemas.microsoft.com/office/drawing/2010/main" val="0"/>
-              </a:ext>
-            </a:extLst>
-          </a:blip>
-          <a:srcRect l="7690" t="1705" r="1444" b="5427"/>
+          <a:srcRect r="52108"/>
           <a:stretch/>
         </p:blipFill>
         <p:spPr>
           <a:xfrm>
-            <a:off x="6543080" y="9819049"/>
-            <a:ext cx="7593953" cy="5487747"/>
+            <a:off x="15577779" y="8398796"/>
+            <a:ext cx="6559216" cy="4868837"/>
           </a:xfrm>
           <a:prstGeom prst="rect">
             <a:avLst/>
@@ -4657,21 +7136,20 @@
           <p:nvPr/>
         </p:nvPicPr>
         <p:blipFill>
-          <a:blip r:embed="rId7">
+          <a:blip r:embed="rId6">
             <a:extLst>
               <a:ext uri="{28A0092B-C50C-407E-A947-70E740481C1C}">
                 <a14:useLocalDpi xmlns:a14="http://schemas.microsoft.com/office/drawing/2010/main" val="0"/>
               </a:ext>
             </a:extLst>
           </a:blip>
-          <a:stretch>
-            <a:fillRect/>
-          </a:stretch>
+          <a:srcRect l="984" b="5233"/>
+          <a:stretch/>
         </p:blipFill>
         <p:spPr>
           <a:xfrm>
-            <a:off x="419812" y="29952963"/>
-            <a:ext cx="13784287" cy="6167685"/>
+            <a:off x="342839" y="29935042"/>
+            <a:ext cx="13728775" cy="5879284"/>
           </a:xfrm>
           <a:prstGeom prst="rect">
             <a:avLst/>
@@ -4693,7 +7171,7 @@
           <p:nvPr/>
         </p:nvPicPr>
         <p:blipFill>
-          <a:blip r:embed="rId8">
+          <a:blip r:embed="rId7">
             <a:extLst>
               <a:ext uri="{28A0092B-C50C-407E-A947-70E740481C1C}">
                 <a14:useLocalDpi xmlns:a14="http://schemas.microsoft.com/office/drawing/2010/main" val="0"/>
@@ -4705,7 +7183,7 @@
         </p:blipFill>
         <p:spPr>
           <a:xfrm>
-            <a:off x="533404" y="19993015"/>
+            <a:off x="385836" y="19324333"/>
             <a:ext cx="13423743" cy="6364207"/>
           </a:xfrm>
           <a:prstGeom prst="rect">
@@ -4715,10 +7193,45 @@
       </p:pic>
       <p:pic>
         <p:nvPicPr>
-          <p:cNvPr id="34" name="Grafik 33" descr="Ein Bild, das Screenshot, Text, Farbigkeit, Diagramm enthält.&#10;&#10;KI-generierte Inhalte können fehlerhaft sein.">
+          <p:cNvPr id="34" name="Grafik 33">
             <a:extLst>
               <a:ext uri="{FF2B5EF4-FFF2-40B4-BE49-F238E27FC236}">
                 <a16:creationId xmlns:a16="http://schemas.microsoft.com/office/drawing/2014/main" id="{74811DAA-018E-58EB-CD24-CD6789D94E0F}"/>
+              </a:ext>
+            </a:extLst>
+          </p:cNvPr>
+          <p:cNvPicPr>
+            <a:picLocks noChangeAspect="1"/>
+          </p:cNvPicPr>
+          <p:nvPr/>
+        </p:nvPicPr>
+        <p:blipFill>
+          <a:blip r:embed="rId8">
+            <a:extLst>
+              <a:ext uri="{28A0092B-C50C-407E-A947-70E740481C1C}">
+                <a14:useLocalDpi xmlns:a14="http://schemas.microsoft.com/office/drawing/2010/main" val="0"/>
+              </a:ext>
+            </a:extLst>
+          </a:blip>
+          <a:srcRect l="3772" t="21517" r="1402" b="6505"/>
+          <a:stretch/>
+        </p:blipFill>
+        <p:spPr>
+          <a:xfrm>
+            <a:off x="15577780" y="18302542"/>
+            <a:ext cx="13791688" cy="5532346"/>
+          </a:xfrm>
+          <a:prstGeom prst="rect">
+            <a:avLst/>
+          </a:prstGeom>
+        </p:spPr>
+      </p:pic>
+      <p:pic>
+        <p:nvPicPr>
+          <p:cNvPr id="43" name="Grafik 42">
+            <a:extLst>
+              <a:ext uri="{FF2B5EF4-FFF2-40B4-BE49-F238E27FC236}">
+                <a16:creationId xmlns:a16="http://schemas.microsoft.com/office/drawing/2014/main" id="{63675D41-7573-6D83-3EBE-3EE753C25124}"/>
               </a:ext>
             </a:extLst>
           </p:cNvPr>
@@ -4735,13 +7248,13 @@
               </a:ext>
             </a:extLst>
           </a:blip>
-          <a:srcRect t="16988" b="4904"/>
+          <a:srcRect l="-539" t="14898" r="-444" b="3633"/>
           <a:stretch/>
         </p:blipFill>
         <p:spPr>
           <a:xfrm>
-            <a:off x="16058137" y="17292449"/>
-            <a:ext cx="12679539" cy="7033892"/>
+            <a:off x="16543539" y="28754715"/>
+            <a:ext cx="11186912" cy="6719562"/>
           </a:xfrm>
           <a:prstGeom prst="rect">
             <a:avLst/>
@@ -4750,10 +7263,10 @@
       </p:pic>
       <p:pic>
         <p:nvPicPr>
-          <p:cNvPr id="43" name="Grafik 42" descr="Ein Bild, das Reihe, Text, Diagramm enthält.&#10;&#10;KI-generierte Inhalte können fehlerhaft sein.">
+          <p:cNvPr id="9" name="Grafik 8">
             <a:extLst>
               <a:ext uri="{FF2B5EF4-FFF2-40B4-BE49-F238E27FC236}">
-                <a16:creationId xmlns:a16="http://schemas.microsoft.com/office/drawing/2014/main" id="{63675D41-7573-6D83-3EBE-3EE753C25124}"/>
+                <a16:creationId xmlns:a16="http://schemas.microsoft.com/office/drawing/2014/main" id="{586D7FD0-8686-59C2-015C-ABC6F82D4ED5}"/>
               </a:ext>
             </a:extLst>
           </p:cNvPr>
@@ -4770,19 +7283,381 @@
               </a:ext>
             </a:extLst>
           </a:blip>
-          <a:srcRect t="15239" b="2597"/>
+          <a:srcRect t="424"/>
           <a:stretch/>
         </p:blipFill>
         <p:spPr>
           <a:xfrm>
-            <a:off x="16720761" y="28211952"/>
-            <a:ext cx="11111288" cy="7780750"/>
+            <a:off x="22137000" y="8634946"/>
+            <a:ext cx="6687862" cy="4397171"/>
           </a:xfrm>
           <a:prstGeom prst="rect">
             <a:avLst/>
           </a:prstGeom>
         </p:spPr>
       </p:pic>
+      <p:graphicFrame>
+        <p:nvGraphicFramePr>
+          <p:cNvPr id="10" name="Diagramm 9">
+            <a:extLst>
+              <a:ext uri="{FF2B5EF4-FFF2-40B4-BE49-F238E27FC236}">
+                <a16:creationId xmlns:a16="http://schemas.microsoft.com/office/drawing/2014/main" id="{E6D687AA-4DAD-5B06-D659-E6ACC7BCD7DE}"/>
+              </a:ext>
+            </a:extLst>
+          </p:cNvPr>
+          <p:cNvGraphicFramePr/>
+          <p:nvPr>
+            <p:extLst>
+              <p:ext uri="{D42A27DB-BD31-4B8C-83A1-F6EECF244321}">
+                <p14:modId xmlns:p14="http://schemas.microsoft.com/office/powerpoint/2010/main" val="3503691968"/>
+              </p:ext>
+            </p:extLst>
+          </p:nvPr>
+        </p:nvGraphicFramePr>
+        <p:xfrm>
+          <a:off x="345256" y="7400222"/>
+          <a:ext cx="13878813" cy="1440000"/>
+        </p:xfrm>
+        <a:graphic>
+          <a:graphicData uri="http://schemas.openxmlformats.org/drawingml/2006/diagram">
+            <dgm:relIds xmlns:dgm="http://schemas.openxmlformats.org/drawingml/2006/diagram" xmlns:r="http://schemas.openxmlformats.org/officeDocument/2006/relationships" r:dm="rId11" r:lo="rId12" r:qs="rId13" r:cs="rId14"/>
+          </a:graphicData>
+        </a:graphic>
+      </p:graphicFrame>
+      <p:sp>
+        <p:nvSpPr>
+          <p:cNvPr id="22" name="TextBox 11">
+            <a:extLst>
+              <a:ext uri="{FF2B5EF4-FFF2-40B4-BE49-F238E27FC236}">
+                <a16:creationId xmlns:a16="http://schemas.microsoft.com/office/drawing/2014/main" id="{E6008C13-5DBA-41C4-A15C-3BFA4D97D3D1}"/>
+              </a:ext>
+            </a:extLst>
+          </p:cNvPr>
+          <p:cNvSpPr txBox="1"/>
+          <p:nvPr/>
+        </p:nvSpPr>
+        <p:spPr>
+          <a:xfrm>
+            <a:off x="398351" y="12040295"/>
+            <a:ext cx="5812464" cy="2677656"/>
+          </a:xfrm>
+          <a:prstGeom prst="rect">
+            <a:avLst/>
+          </a:prstGeom>
+          <a:noFill/>
+        </p:spPr>
+        <p:txBody>
+          <a:bodyPr wrap="square" rtlCol="0">
+            <a:spAutoFit/>
+          </a:bodyPr>
+          <a:lstStyle/>
+          <a:p>
+            <a:pPr algn="just"/>
+            <a:r>
+              <a:rPr lang="en-US" sz="2800" dirty="0">
+                <a:solidFill>
+                  <a:srgbClr val="31333F"/>
+                </a:solidFill>
+              </a:rPr>
+              <a:t>There is a big difference between the number of tournaments held in the UK and Germany and other countries. This shows that there is a much bigger influence on darts in Europe than in the rest of the world.</a:t>
+            </a:r>
+          </a:p>
+        </p:txBody>
+      </p:sp>
+      <p:sp>
+        <p:nvSpPr>
+          <p:cNvPr id="24" name="TextBox 14">
+            <a:extLst>
+              <a:ext uri="{FF2B5EF4-FFF2-40B4-BE49-F238E27FC236}">
+                <a16:creationId xmlns:a16="http://schemas.microsoft.com/office/drawing/2014/main" id="{403F7BA0-0223-716F-BFA3-BB63BE584879}"/>
+              </a:ext>
+            </a:extLst>
+          </p:cNvPr>
+          <p:cNvSpPr txBox="1"/>
+          <p:nvPr/>
+        </p:nvSpPr>
+        <p:spPr>
+          <a:xfrm>
+            <a:off x="342844" y="10343159"/>
+            <a:ext cx="6782307" cy="1569660"/>
+          </a:xfrm>
+          <a:prstGeom prst="rect">
+            <a:avLst/>
+          </a:prstGeom>
+          <a:noFill/>
+        </p:spPr>
+        <p:txBody>
+          <a:bodyPr wrap="square" rtlCol="0">
+            <a:spAutoFit/>
+          </a:bodyPr>
+          <a:lstStyle/>
+          <a:p>
+            <a:r>
+              <a:rPr lang="en-GB" sz="4800" dirty="0">
+                <a:solidFill>
+                  <a:srgbClr val="9B0A7D"/>
+                </a:solidFill>
+              </a:rPr>
+              <a:t>How are the tournament’s locations distributed?</a:t>
+            </a:r>
+          </a:p>
+        </p:txBody>
+      </p:sp>
+      <p:pic>
+        <p:nvPicPr>
+          <p:cNvPr id="30" name="Grafik 29">
+            <a:extLst>
+              <a:ext uri="{FF2B5EF4-FFF2-40B4-BE49-F238E27FC236}">
+                <a16:creationId xmlns:a16="http://schemas.microsoft.com/office/drawing/2014/main" id="{AE627B18-EE16-201C-0A27-F7A48102B367}"/>
+              </a:ext>
+            </a:extLst>
+          </p:cNvPr>
+          <p:cNvPicPr>
+            <a:picLocks noChangeAspect="1"/>
+          </p:cNvPicPr>
+          <p:nvPr/>
+        </p:nvPicPr>
+        <p:blipFill>
+          <a:blip r:embed="rId16">
+            <a:extLst>
+              <a:ext uri="{28A0092B-C50C-407E-A947-70E740481C1C}">
+                <a14:useLocalDpi xmlns:a14="http://schemas.microsoft.com/office/drawing/2010/main" val="0"/>
+              </a:ext>
+            </a:extLst>
+          </a:blip>
+          <a:srcRect l="7690" t="1705" r="1444" b="5427"/>
+          <a:stretch/>
+        </p:blipFill>
+        <p:spPr>
+          <a:xfrm>
+            <a:off x="8003302" y="10332703"/>
+            <a:ext cx="6068312" cy="4385247"/>
+          </a:xfrm>
+          <a:prstGeom prst="rect">
+            <a:avLst/>
+          </a:prstGeom>
+        </p:spPr>
+      </p:pic>
+      <p:sp>
+        <p:nvSpPr>
+          <p:cNvPr id="35" name="Textfeld 34">
+            <a:extLst>
+              <a:ext uri="{FF2B5EF4-FFF2-40B4-BE49-F238E27FC236}">
+                <a16:creationId xmlns:a16="http://schemas.microsoft.com/office/drawing/2014/main" id="{8B0084BF-5D68-76CB-AF0F-AE6F4BA186C2}"/>
+              </a:ext>
+            </a:extLst>
+          </p:cNvPr>
+          <p:cNvSpPr txBox="1"/>
+          <p:nvPr/>
+        </p:nvSpPr>
+        <p:spPr>
+          <a:xfrm>
+            <a:off x="885291" y="19009519"/>
+            <a:ext cx="6227335" cy="523220"/>
+          </a:xfrm>
+          <a:prstGeom prst="rect">
+            <a:avLst/>
+          </a:prstGeom>
+          <a:noFill/>
+        </p:spPr>
+        <p:txBody>
+          <a:bodyPr wrap="square" rtlCol="0">
+            <a:spAutoFit/>
+          </a:bodyPr>
+          <a:lstStyle/>
+          <a:p>
+            <a:r>
+              <a:rPr lang="de-DE" sz="2800" dirty="0">
+                <a:solidFill>
+                  <a:srgbClr val="9B0A7D"/>
+                </a:solidFill>
+              </a:rPr>
+              <a:t>Development of Average Scores over time</a:t>
+            </a:r>
+            <a:endParaRPr lang="LID4096" sz="2800" dirty="0">
+              <a:solidFill>
+                <a:srgbClr val="9B0A7D"/>
+              </a:solidFill>
+            </a:endParaRPr>
+          </a:p>
+        </p:txBody>
+      </p:sp>
+      <p:sp>
+        <p:nvSpPr>
+          <p:cNvPr id="36" name="Textfeld 35">
+            <a:extLst>
+              <a:ext uri="{FF2B5EF4-FFF2-40B4-BE49-F238E27FC236}">
+                <a16:creationId xmlns:a16="http://schemas.microsoft.com/office/drawing/2014/main" id="{0987D26F-A3E3-86FF-7C47-43BBD9A4B85E}"/>
+              </a:ext>
+            </a:extLst>
+          </p:cNvPr>
+          <p:cNvSpPr txBox="1"/>
+          <p:nvPr/>
+        </p:nvSpPr>
+        <p:spPr>
+          <a:xfrm>
+            <a:off x="993600" y="29473377"/>
+            <a:ext cx="8294779" cy="523220"/>
+          </a:xfrm>
+          <a:prstGeom prst="rect">
+            <a:avLst/>
+          </a:prstGeom>
+          <a:noFill/>
+        </p:spPr>
+        <p:txBody>
+          <a:bodyPr wrap="square" rtlCol="0">
+            <a:spAutoFit/>
+          </a:bodyPr>
+          <a:lstStyle/>
+          <a:p>
+            <a:r>
+              <a:rPr lang="de-DE" sz="2800" dirty="0">
+                <a:solidFill>
+                  <a:srgbClr val="9B0A7D"/>
+                </a:solidFill>
+              </a:rPr>
+              <a:t>Development of Prize Money and Participants over time</a:t>
+            </a:r>
+            <a:endParaRPr lang="LID4096" sz="2800" dirty="0">
+              <a:solidFill>
+                <a:srgbClr val="9B0A7D"/>
+              </a:solidFill>
+            </a:endParaRPr>
+          </a:p>
+        </p:txBody>
+      </p:sp>
+      <p:sp>
+        <p:nvSpPr>
+          <p:cNvPr id="38" name="Textfeld 37">
+            <a:extLst>
+              <a:ext uri="{FF2B5EF4-FFF2-40B4-BE49-F238E27FC236}">
+                <a16:creationId xmlns:a16="http://schemas.microsoft.com/office/drawing/2014/main" id="{B071A9ED-9EC0-AF05-F712-34B9E1897C12}"/>
+              </a:ext>
+            </a:extLst>
+          </p:cNvPr>
+          <p:cNvSpPr txBox="1"/>
+          <p:nvPr/>
+        </p:nvSpPr>
+        <p:spPr>
+          <a:xfrm>
+            <a:off x="16150945" y="7878780"/>
+            <a:ext cx="8294779" cy="523220"/>
+          </a:xfrm>
+          <a:prstGeom prst="rect">
+            <a:avLst/>
+          </a:prstGeom>
+          <a:noFill/>
+        </p:spPr>
+        <p:txBody>
+          <a:bodyPr wrap="square" rtlCol="0">
+            <a:spAutoFit/>
+          </a:bodyPr>
+          <a:lstStyle/>
+          <a:p>
+            <a:r>
+              <a:rPr lang="de-DE" sz="2800" dirty="0">
+                <a:solidFill>
+                  <a:srgbClr val="9B0A7D"/>
+                </a:solidFill>
+              </a:rPr>
+              <a:t>Distribution of Throws and Hits on Double Fields</a:t>
+            </a:r>
+            <a:endParaRPr lang="LID4096" sz="2800" dirty="0">
+              <a:solidFill>
+                <a:srgbClr val="9B0A7D"/>
+              </a:solidFill>
+            </a:endParaRPr>
+          </a:p>
+        </p:txBody>
+      </p:sp>
+      <p:sp>
+        <p:nvSpPr>
+          <p:cNvPr id="44" name="Textfeld 43">
+            <a:extLst>
+              <a:ext uri="{FF2B5EF4-FFF2-40B4-BE49-F238E27FC236}">
+                <a16:creationId xmlns:a16="http://schemas.microsoft.com/office/drawing/2014/main" id="{619BE832-DD36-B2DC-3D71-B2F5E2F7E42B}"/>
+              </a:ext>
+            </a:extLst>
+          </p:cNvPr>
+          <p:cNvSpPr txBox="1"/>
+          <p:nvPr/>
+        </p:nvSpPr>
+        <p:spPr>
+          <a:xfrm>
+            <a:off x="16150946" y="17546443"/>
+            <a:ext cx="8294779" cy="523220"/>
+          </a:xfrm>
+          <a:prstGeom prst="rect">
+            <a:avLst/>
+          </a:prstGeom>
+          <a:noFill/>
+        </p:spPr>
+        <p:txBody>
+          <a:bodyPr wrap="square" rtlCol="0">
+            <a:spAutoFit/>
+          </a:bodyPr>
+          <a:lstStyle/>
+          <a:p>
+            <a:r>
+              <a:rPr lang="de-DE" sz="2800" dirty="0">
+                <a:solidFill>
+                  <a:srgbClr val="9B0A7D"/>
+                </a:solidFill>
+              </a:rPr>
+              <a:t>Ages and their Rankings</a:t>
+            </a:r>
+            <a:endParaRPr lang="LID4096" sz="2800" dirty="0">
+              <a:solidFill>
+                <a:srgbClr val="9B0A7D"/>
+              </a:solidFill>
+            </a:endParaRPr>
+          </a:p>
+        </p:txBody>
+      </p:sp>
+      <p:sp>
+        <p:nvSpPr>
+          <p:cNvPr id="45" name="Textfeld 44">
+            <a:extLst>
+              <a:ext uri="{FF2B5EF4-FFF2-40B4-BE49-F238E27FC236}">
+                <a16:creationId xmlns:a16="http://schemas.microsoft.com/office/drawing/2014/main" id="{F2E92392-F300-065D-5F48-06971AB137C6}"/>
+              </a:ext>
+            </a:extLst>
+          </p:cNvPr>
+          <p:cNvSpPr txBox="1"/>
+          <p:nvPr/>
+        </p:nvSpPr>
+        <p:spPr>
+          <a:xfrm>
+            <a:off x="16543539" y="28040846"/>
+            <a:ext cx="9557752" cy="523220"/>
+          </a:xfrm>
+          <a:prstGeom prst="rect">
+            <a:avLst/>
+          </a:prstGeom>
+          <a:noFill/>
+        </p:spPr>
+        <p:txBody>
+          <a:bodyPr wrap="square" rtlCol="0">
+            <a:spAutoFit/>
+          </a:bodyPr>
+          <a:lstStyle/>
+          <a:p>
+            <a:r>
+              <a:rPr lang="de-DE" sz="2800" dirty="0">
+                <a:solidFill>
+                  <a:srgbClr val="9B0A7D"/>
+                </a:solidFill>
+              </a:rPr>
+              <a:t>Number of Throws and Check Out Percentages of D1 – Rob Cross</a:t>
+            </a:r>
+            <a:endParaRPr lang="LID4096" sz="2800" dirty="0">
+              <a:solidFill>
+                <a:srgbClr val="9B0A7D"/>
+              </a:solidFill>
+            </a:endParaRPr>
+          </a:p>
+        </p:txBody>
+      </p:sp>
     </p:spTree>
     <p:extLst>
       <p:ext uri="{BB962C8B-B14F-4D97-AF65-F5344CB8AC3E}">

--- a/Poster/DSP_Darts_Poster.pptx
+++ b/Poster/DSP_Darts_Poster.pptx
@@ -7604,7 +7604,7 @@
                   <a:srgbClr val="9B0A7D"/>
                 </a:solidFill>
               </a:rPr>
-              <a:t>Ages and their Rankings</a:t>
+              <a:t>Nationalities and their Rankings</a:t>
             </a:r>
             <a:endParaRPr lang="LID4096" sz="2800" dirty="0">
               <a:solidFill>
